--- a/So do khoi.pptx
+++ b/So do khoi.pptx
@@ -199,7 +199,7 @@
           <a:p>
             <a:fld id="{E8AF388D-D73B-42C6-BF42-B09DCE100FFD}" type="datetimeFigureOut">
               <a:rPr lang="en-US" smtClean="0"/>
-              <a:t>6/10/2022</a:t>
+              <a:t>6/11/2022</a:t>
             </a:fld>
             <a:endParaRPr lang="en-US"/>
           </a:p>
@@ -687,7 +687,7 @@
           <a:p>
             <a:fld id="{190D22C8-D32D-4706-8509-154E6C320933}" type="datetimeFigureOut">
               <a:rPr lang="en-US" smtClean="0"/>
-              <a:t>6/10/2022</a:t>
+              <a:t>6/11/2022</a:t>
             </a:fld>
             <a:endParaRPr lang="en-US"/>
           </a:p>
@@ -857,7 +857,7 @@
           <a:p>
             <a:fld id="{190D22C8-D32D-4706-8509-154E6C320933}" type="datetimeFigureOut">
               <a:rPr lang="en-US" smtClean="0"/>
-              <a:t>6/10/2022</a:t>
+              <a:t>6/11/2022</a:t>
             </a:fld>
             <a:endParaRPr lang="en-US"/>
           </a:p>
@@ -1037,7 +1037,7 @@
           <a:p>
             <a:fld id="{190D22C8-D32D-4706-8509-154E6C320933}" type="datetimeFigureOut">
               <a:rPr lang="en-US" smtClean="0"/>
-              <a:t>6/10/2022</a:t>
+              <a:t>6/11/2022</a:t>
             </a:fld>
             <a:endParaRPr lang="en-US"/>
           </a:p>
@@ -1207,7 +1207,7 @@
           <a:p>
             <a:fld id="{190D22C8-D32D-4706-8509-154E6C320933}" type="datetimeFigureOut">
               <a:rPr lang="en-US" smtClean="0"/>
-              <a:t>6/10/2022</a:t>
+              <a:t>6/11/2022</a:t>
             </a:fld>
             <a:endParaRPr lang="en-US"/>
           </a:p>
@@ -1451,7 +1451,7 @@
           <a:p>
             <a:fld id="{190D22C8-D32D-4706-8509-154E6C320933}" type="datetimeFigureOut">
               <a:rPr lang="en-US" smtClean="0"/>
-              <a:t>6/10/2022</a:t>
+              <a:t>6/11/2022</a:t>
             </a:fld>
             <a:endParaRPr lang="en-US"/>
           </a:p>
@@ -1683,7 +1683,7 @@
           <a:p>
             <a:fld id="{190D22C8-D32D-4706-8509-154E6C320933}" type="datetimeFigureOut">
               <a:rPr lang="en-US" smtClean="0"/>
-              <a:t>6/10/2022</a:t>
+              <a:t>6/11/2022</a:t>
             </a:fld>
             <a:endParaRPr lang="en-US"/>
           </a:p>
@@ -2050,7 +2050,7 @@
           <a:p>
             <a:fld id="{190D22C8-D32D-4706-8509-154E6C320933}" type="datetimeFigureOut">
               <a:rPr lang="en-US" smtClean="0"/>
-              <a:t>6/10/2022</a:t>
+              <a:t>6/11/2022</a:t>
             </a:fld>
             <a:endParaRPr lang="en-US"/>
           </a:p>
@@ -2168,7 +2168,7 @@
           <a:p>
             <a:fld id="{190D22C8-D32D-4706-8509-154E6C320933}" type="datetimeFigureOut">
               <a:rPr lang="en-US" smtClean="0"/>
-              <a:t>6/10/2022</a:t>
+              <a:t>6/11/2022</a:t>
             </a:fld>
             <a:endParaRPr lang="en-US"/>
           </a:p>
@@ -2263,7 +2263,7 @@
           <a:p>
             <a:fld id="{190D22C8-D32D-4706-8509-154E6C320933}" type="datetimeFigureOut">
               <a:rPr lang="en-US" smtClean="0"/>
-              <a:t>6/10/2022</a:t>
+              <a:t>6/11/2022</a:t>
             </a:fld>
             <a:endParaRPr lang="en-US"/>
           </a:p>
@@ -2540,7 +2540,7 @@
           <a:p>
             <a:fld id="{190D22C8-D32D-4706-8509-154E6C320933}" type="datetimeFigureOut">
               <a:rPr lang="en-US" smtClean="0"/>
-              <a:t>6/10/2022</a:t>
+              <a:t>6/11/2022</a:t>
             </a:fld>
             <a:endParaRPr lang="en-US"/>
           </a:p>
@@ -2797,7 +2797,7 @@
           <a:p>
             <a:fld id="{190D22C8-D32D-4706-8509-154E6C320933}" type="datetimeFigureOut">
               <a:rPr lang="en-US" smtClean="0"/>
-              <a:t>6/10/2022</a:t>
+              <a:t>6/11/2022</a:t>
             </a:fld>
             <a:endParaRPr lang="en-US"/>
           </a:p>
@@ -3010,7 +3010,7 @@
           <a:p>
             <a:fld id="{190D22C8-D32D-4706-8509-154E6C320933}" type="datetimeFigureOut">
               <a:rPr lang="en-US" smtClean="0"/>
-              <a:t>6/10/2022</a:t>
+              <a:t>6/11/2022</a:t>
             </a:fld>
             <a:endParaRPr lang="en-US"/>
           </a:p>
@@ -3552,10 +3552,6 @@
               </a:rPr>
               <a:t>bc</a:t>
             </a:r>
-            <a:endParaRPr lang="en-US" sz="1654">
-              <a:latin typeface="Times New Roman" panose="02020603050405020304" pitchFamily="18" charset="0"/>
-              <a:cs typeface="Times New Roman" panose="02020603050405020304" pitchFamily="18" charset="0"/>
-            </a:endParaRPr>
           </a:p>
         </p:txBody>
       </p:sp>
@@ -3640,10 +3636,6 @@
               </a:rPr>
               <a:t>0</a:t>
             </a:r>
-            <a:endParaRPr lang="en-US" sz="1654">
-              <a:latin typeface="Times New Roman" panose="02020603050405020304" pitchFamily="18" charset="0"/>
-              <a:cs typeface="Times New Roman" panose="02020603050405020304" pitchFamily="18" charset="0"/>
-            </a:endParaRPr>
           </a:p>
         </p:txBody>
       </p:sp>
@@ -3908,10 +3900,6 @@
               </a:rPr>
               <a:t>CLK</a:t>
             </a:r>
-            <a:endParaRPr lang="en-US" sz="1654">
-              <a:latin typeface="Times New Roman" panose="02020603050405020304" pitchFamily="18" charset="0"/>
-              <a:cs typeface="Times New Roman" panose="02020603050405020304" pitchFamily="18" charset="0"/>
-            </a:endParaRPr>
           </a:p>
         </p:txBody>
       </p:sp>
@@ -3944,10 +3932,6 @@
               </a:rPr>
               <a:t>Reset</a:t>
             </a:r>
-            <a:endParaRPr lang="en-US" sz="1654">
-              <a:latin typeface="Times New Roman" panose="02020603050405020304" pitchFamily="18" charset="0"/>
-              <a:cs typeface="Times New Roman" panose="02020603050405020304" pitchFamily="18" charset="0"/>
-            </a:endParaRPr>
           </a:p>
         </p:txBody>
       </p:sp>
@@ -3985,15 +3969,6 @@
               </a:rPr>
               <a:t>EN_bc</a:t>
             </a:r>
-            <a:endParaRPr lang="en-US" sz="1654">
-              <a:solidFill>
-                <a:schemeClr val="accent1">
-                  <a:lumMod val="75000"/>
-                </a:schemeClr>
-              </a:solidFill>
-              <a:latin typeface="Times New Roman" panose="02020603050405020304" pitchFamily="18" charset="0"/>
-              <a:cs typeface="Times New Roman" panose="02020603050405020304" pitchFamily="18" charset="0"/>
-            </a:endParaRPr>
           </a:p>
         </p:txBody>
       </p:sp>
@@ -4031,15 +4006,6 @@
               </a:rPr>
               <a:t>LD_bc</a:t>
             </a:r>
-            <a:endParaRPr lang="en-US" sz="1654">
-              <a:solidFill>
-                <a:schemeClr val="accent1">
-                  <a:lumMod val="75000"/>
-                </a:schemeClr>
-              </a:solidFill>
-              <a:latin typeface="Times New Roman" panose="02020603050405020304" pitchFamily="18" charset="0"/>
-              <a:cs typeface="Times New Roman" panose="02020603050405020304" pitchFamily="18" charset="0"/>
-            </a:endParaRPr>
           </a:p>
         </p:txBody>
       </p:sp>
@@ -4124,19 +4090,8 @@
                 <a:latin typeface="Times New Roman" panose="02020603050405020304" pitchFamily="18" charset="0"/>
                 <a:cs typeface="Times New Roman" panose="02020603050405020304" pitchFamily="18" charset="0"/>
               </a:rPr>
-              <a:t>k</a:t>
-            </a:r>
-            <a:r>
-              <a:rPr lang="en-US" sz="1654">
-                <a:latin typeface="Times New Roman" panose="02020603050405020304" pitchFamily="18" charset="0"/>
-                <a:cs typeface="Times New Roman" panose="02020603050405020304" pitchFamily="18" charset="0"/>
-              </a:rPr>
-              <a:t>r</a:t>
-            </a:r>
-            <a:endParaRPr lang="en-US" sz="1654">
-              <a:latin typeface="Times New Roman" panose="02020603050405020304" pitchFamily="18" charset="0"/>
-              <a:cs typeface="Times New Roman" panose="02020603050405020304" pitchFamily="18" charset="0"/>
-            </a:endParaRPr>
+              <a:t>kr</a:t>
+            </a:r>
           </a:p>
         </p:txBody>
       </p:sp>
@@ -4221,10 +4176,6 @@
               </a:rPr>
               <a:t>0</a:t>
             </a:r>
-            <a:endParaRPr lang="en-US" sz="1654">
-              <a:latin typeface="Times New Roman" panose="02020603050405020304" pitchFamily="18" charset="0"/>
-              <a:cs typeface="Times New Roman" panose="02020603050405020304" pitchFamily="18" charset="0"/>
-            </a:endParaRPr>
           </a:p>
         </p:txBody>
       </p:sp>
@@ -4489,10 +4440,6 @@
               </a:rPr>
               <a:t>CLK</a:t>
             </a:r>
-            <a:endParaRPr lang="en-US" sz="1654">
-              <a:latin typeface="Times New Roman" panose="02020603050405020304" pitchFamily="18" charset="0"/>
-              <a:cs typeface="Times New Roman" panose="02020603050405020304" pitchFamily="18" charset="0"/>
-            </a:endParaRPr>
           </a:p>
         </p:txBody>
       </p:sp>
@@ -4525,10 +4472,6 @@
               </a:rPr>
               <a:t>Reset</a:t>
             </a:r>
-            <a:endParaRPr lang="en-US" sz="1654">
-              <a:latin typeface="Times New Roman" panose="02020603050405020304" pitchFamily="18" charset="0"/>
-              <a:cs typeface="Times New Roman" panose="02020603050405020304" pitchFamily="18" charset="0"/>
-            </a:endParaRPr>
           </a:p>
         </p:txBody>
       </p:sp>
@@ -4566,15 +4509,6 @@
               </a:rPr>
               <a:t>EN_kr</a:t>
             </a:r>
-            <a:endParaRPr lang="en-US" sz="1654">
-              <a:solidFill>
-                <a:schemeClr val="accent1">
-                  <a:lumMod val="75000"/>
-                </a:schemeClr>
-              </a:solidFill>
-              <a:latin typeface="Times New Roman" panose="02020603050405020304" pitchFamily="18" charset="0"/>
-              <a:cs typeface="Times New Roman" panose="02020603050405020304" pitchFamily="18" charset="0"/>
-            </a:endParaRPr>
           </a:p>
         </p:txBody>
       </p:sp>
@@ -4612,15 +4546,6 @@
               </a:rPr>
               <a:t>LD_kr</a:t>
             </a:r>
-            <a:endParaRPr lang="en-US" sz="1654">
-              <a:solidFill>
-                <a:schemeClr val="accent1">
-                  <a:lumMod val="75000"/>
-                </a:schemeClr>
-              </a:solidFill>
-              <a:latin typeface="Times New Roman" panose="02020603050405020304" pitchFamily="18" charset="0"/>
-              <a:cs typeface="Times New Roman" panose="02020603050405020304" pitchFamily="18" charset="0"/>
-            </a:endParaRPr>
           </a:p>
         </p:txBody>
       </p:sp>
@@ -4707,10 +4632,6 @@
               </a:rPr>
               <a:t>kc</a:t>
             </a:r>
-            <a:endParaRPr lang="en-US" sz="1654">
-              <a:latin typeface="Times New Roman" panose="02020603050405020304" pitchFamily="18" charset="0"/>
-              <a:cs typeface="Times New Roman" panose="02020603050405020304" pitchFamily="18" charset="0"/>
-            </a:endParaRPr>
           </a:p>
         </p:txBody>
       </p:sp>
@@ -4795,10 +4716,6 @@
               </a:rPr>
               <a:t>0</a:t>
             </a:r>
-            <a:endParaRPr lang="en-US" sz="1654">
-              <a:latin typeface="Times New Roman" panose="02020603050405020304" pitchFamily="18" charset="0"/>
-              <a:cs typeface="Times New Roman" panose="02020603050405020304" pitchFamily="18" charset="0"/>
-            </a:endParaRPr>
           </a:p>
         </p:txBody>
       </p:sp>
@@ -5063,10 +4980,6 @@
               </a:rPr>
               <a:t>CLK</a:t>
             </a:r>
-            <a:endParaRPr lang="en-US" sz="1654">
-              <a:latin typeface="Times New Roman" panose="02020603050405020304" pitchFamily="18" charset="0"/>
-              <a:cs typeface="Times New Roman" panose="02020603050405020304" pitchFamily="18" charset="0"/>
-            </a:endParaRPr>
           </a:p>
         </p:txBody>
       </p:sp>
@@ -5099,10 +5012,6 @@
               </a:rPr>
               <a:t>Reset</a:t>
             </a:r>
-            <a:endParaRPr lang="en-US" sz="1654">
-              <a:latin typeface="Times New Roman" panose="02020603050405020304" pitchFamily="18" charset="0"/>
-              <a:cs typeface="Times New Roman" panose="02020603050405020304" pitchFamily="18" charset="0"/>
-            </a:endParaRPr>
           </a:p>
         </p:txBody>
       </p:sp>
@@ -5140,15 +5049,6 @@
               </a:rPr>
               <a:t>EN_kc</a:t>
             </a:r>
-            <a:endParaRPr lang="en-US" sz="1654">
-              <a:solidFill>
-                <a:schemeClr val="accent1">
-                  <a:lumMod val="75000"/>
-                </a:schemeClr>
-              </a:solidFill>
-              <a:latin typeface="Times New Roman" panose="02020603050405020304" pitchFamily="18" charset="0"/>
-              <a:cs typeface="Times New Roman" panose="02020603050405020304" pitchFamily="18" charset="0"/>
-            </a:endParaRPr>
           </a:p>
         </p:txBody>
       </p:sp>
@@ -5186,15 +5086,6 @@
               </a:rPr>
               <a:t>LD_kc</a:t>
             </a:r>
-            <a:endParaRPr lang="en-US" sz="1654">
-              <a:solidFill>
-                <a:schemeClr val="accent1">
-                  <a:lumMod val="75000"/>
-                </a:schemeClr>
-              </a:solidFill>
-              <a:latin typeface="Times New Roman" panose="02020603050405020304" pitchFamily="18" charset="0"/>
-              <a:cs typeface="Times New Roman" panose="02020603050405020304" pitchFamily="18" charset="0"/>
-            </a:endParaRPr>
           </a:p>
         </p:txBody>
       </p:sp>
@@ -5281,10 +5172,6 @@
               </a:rPr>
               <a:t>br</a:t>
             </a:r>
-            <a:endParaRPr lang="en-US" sz="1654">
-              <a:latin typeface="Times New Roman" panose="02020603050405020304" pitchFamily="18" charset="0"/>
-              <a:cs typeface="Times New Roman" panose="02020603050405020304" pitchFamily="18" charset="0"/>
-            </a:endParaRPr>
           </a:p>
         </p:txBody>
       </p:sp>
@@ -5369,10 +5256,6 @@
               </a:rPr>
               <a:t>0</a:t>
             </a:r>
-            <a:endParaRPr lang="en-US" sz="1654">
-              <a:latin typeface="Times New Roman" panose="02020603050405020304" pitchFamily="18" charset="0"/>
-              <a:cs typeface="Times New Roman" panose="02020603050405020304" pitchFamily="18" charset="0"/>
-            </a:endParaRPr>
           </a:p>
         </p:txBody>
       </p:sp>
@@ -5637,10 +5520,6 @@
               </a:rPr>
               <a:t>CLK</a:t>
             </a:r>
-            <a:endParaRPr lang="en-US" sz="1654">
-              <a:latin typeface="Times New Roman" panose="02020603050405020304" pitchFamily="18" charset="0"/>
-              <a:cs typeface="Times New Roman" panose="02020603050405020304" pitchFamily="18" charset="0"/>
-            </a:endParaRPr>
           </a:p>
         </p:txBody>
       </p:sp>
@@ -5673,10 +5552,6 @@
               </a:rPr>
               <a:t>Reset</a:t>
             </a:r>
-            <a:endParaRPr lang="en-US" sz="1654">
-              <a:latin typeface="Times New Roman" panose="02020603050405020304" pitchFamily="18" charset="0"/>
-              <a:cs typeface="Times New Roman" panose="02020603050405020304" pitchFamily="18" charset="0"/>
-            </a:endParaRPr>
           </a:p>
         </p:txBody>
       </p:sp>
@@ -5714,15 +5589,6 @@
               </a:rPr>
               <a:t>EN_br</a:t>
             </a:r>
-            <a:endParaRPr lang="en-US" sz="1654">
-              <a:solidFill>
-                <a:schemeClr val="accent1">
-                  <a:lumMod val="75000"/>
-                </a:schemeClr>
-              </a:solidFill>
-              <a:latin typeface="Times New Roman" panose="02020603050405020304" pitchFamily="18" charset="0"/>
-              <a:cs typeface="Times New Roman" panose="02020603050405020304" pitchFamily="18" charset="0"/>
-            </a:endParaRPr>
           </a:p>
         </p:txBody>
       </p:sp>
@@ -5760,15 +5626,6 @@
               </a:rPr>
               <a:t>LD_br</a:t>
             </a:r>
-            <a:endParaRPr lang="en-US" sz="1654">
-              <a:solidFill>
-                <a:schemeClr val="accent1">
-                  <a:lumMod val="75000"/>
-                </a:schemeClr>
-              </a:solidFill>
-              <a:latin typeface="Times New Roman" panose="02020603050405020304" pitchFamily="18" charset="0"/>
-              <a:cs typeface="Times New Roman" panose="02020603050405020304" pitchFamily="18" charset="0"/>
-            </a:endParaRPr>
           </a:p>
         </p:txBody>
       </p:sp>
@@ -5830,13 +5687,6 @@
               </a:rPr>
               <a:t>cmp</a:t>
             </a:r>
-            <a:endParaRPr lang="en-US" sz="1654">
-              <a:solidFill>
-                <a:schemeClr val="tx1"/>
-              </a:solidFill>
-              <a:latin typeface="Times New Roman" panose="02020603050405020304" pitchFamily="18" charset="0"/>
-              <a:cs typeface="Times New Roman" panose="02020603050405020304" pitchFamily="18" charset="0"/>
-            </a:endParaRPr>
           </a:p>
         </p:txBody>
       </p:sp>
@@ -5904,10 +5754,6 @@
               </a:rPr>
               <a:t>rB</a:t>
             </a:r>
-            <a:endParaRPr lang="en-US" sz="1654">
-              <a:latin typeface="Times New Roman" panose="02020603050405020304" pitchFamily="18" charset="0"/>
-              <a:cs typeface="Times New Roman" panose="02020603050405020304" pitchFamily="18" charset="0"/>
-            </a:endParaRPr>
           </a:p>
         </p:txBody>
       </p:sp>
@@ -5981,13 +5827,6 @@
               </a:rPr>
               <a:t>Z_br</a:t>
             </a:r>
-            <a:endParaRPr lang="en-US" sz="1654">
-              <a:solidFill>
-                <a:srgbClr val="FF0000"/>
-              </a:solidFill>
-              <a:latin typeface="Times New Roman" panose="02020603050405020304" pitchFamily="18" charset="0"/>
-              <a:cs typeface="Times New Roman" panose="02020603050405020304" pitchFamily="18" charset="0"/>
-            </a:endParaRPr>
           </a:p>
         </p:txBody>
       </p:sp>
@@ -6049,13 +5888,6 @@
               </a:rPr>
               <a:t>cmp</a:t>
             </a:r>
-            <a:endParaRPr lang="en-US" sz="1654">
-              <a:solidFill>
-                <a:schemeClr val="tx1"/>
-              </a:solidFill>
-              <a:latin typeface="Times New Roman" panose="02020603050405020304" pitchFamily="18" charset="0"/>
-              <a:cs typeface="Times New Roman" panose="02020603050405020304" pitchFamily="18" charset="0"/>
-            </a:endParaRPr>
           </a:p>
         </p:txBody>
       </p:sp>
@@ -6121,19 +5953,8 @@
                 <a:latin typeface="Times New Roman" panose="02020603050405020304" pitchFamily="18" charset="0"/>
                 <a:cs typeface="Times New Roman" panose="02020603050405020304" pitchFamily="18" charset="0"/>
               </a:rPr>
-              <a:t>c</a:t>
-            </a:r>
-            <a:r>
-              <a:rPr lang="en-US" sz="1654">
-                <a:latin typeface="Times New Roman" panose="02020603050405020304" pitchFamily="18" charset="0"/>
-                <a:cs typeface="Times New Roman" panose="02020603050405020304" pitchFamily="18" charset="0"/>
-              </a:rPr>
-              <a:t>B</a:t>
-            </a:r>
-            <a:endParaRPr lang="en-US" sz="1654">
-              <a:latin typeface="Times New Roman" panose="02020603050405020304" pitchFamily="18" charset="0"/>
-              <a:cs typeface="Times New Roman" panose="02020603050405020304" pitchFamily="18" charset="0"/>
-            </a:endParaRPr>
+              <a:t>cB</a:t>
+            </a:r>
           </a:p>
         </p:txBody>
       </p:sp>
@@ -6207,13 +6028,6 @@
               </a:rPr>
               <a:t>Z_bc</a:t>
             </a:r>
-            <a:endParaRPr lang="en-US" sz="1654">
-              <a:solidFill>
-                <a:srgbClr val="FF0000"/>
-              </a:solidFill>
-              <a:latin typeface="Times New Roman" panose="02020603050405020304" pitchFamily="18" charset="0"/>
-              <a:cs typeface="Times New Roman" panose="02020603050405020304" pitchFamily="18" charset="0"/>
-            </a:endParaRPr>
           </a:p>
         </p:txBody>
       </p:sp>
@@ -6275,13 +6089,6 @@
               </a:rPr>
               <a:t>cmp</a:t>
             </a:r>
-            <a:endParaRPr lang="en-US" sz="1654">
-              <a:solidFill>
-                <a:schemeClr val="tx1"/>
-              </a:solidFill>
-              <a:latin typeface="Times New Roman" panose="02020603050405020304" pitchFamily="18" charset="0"/>
-              <a:cs typeface="Times New Roman" panose="02020603050405020304" pitchFamily="18" charset="0"/>
-            </a:endParaRPr>
           </a:p>
         </p:txBody>
       </p:sp>
@@ -6349,10 +6156,6 @@
               </a:rPr>
               <a:t>rK</a:t>
             </a:r>
-            <a:endParaRPr lang="en-US" sz="1654">
-              <a:latin typeface="Times New Roman" panose="02020603050405020304" pitchFamily="18" charset="0"/>
-              <a:cs typeface="Times New Roman" panose="02020603050405020304" pitchFamily="18" charset="0"/>
-            </a:endParaRPr>
           </a:p>
         </p:txBody>
       </p:sp>
@@ -6426,13 +6229,6 @@
               </a:rPr>
               <a:t>Z_kr</a:t>
             </a:r>
-            <a:endParaRPr lang="en-US" sz="1654">
-              <a:solidFill>
-                <a:srgbClr val="FF0000"/>
-              </a:solidFill>
-              <a:latin typeface="Times New Roman" panose="02020603050405020304" pitchFamily="18" charset="0"/>
-              <a:cs typeface="Times New Roman" panose="02020603050405020304" pitchFamily="18" charset="0"/>
-            </a:endParaRPr>
           </a:p>
         </p:txBody>
       </p:sp>
@@ -6494,13 +6290,6 @@
               </a:rPr>
               <a:t>cmp</a:t>
             </a:r>
-            <a:endParaRPr lang="en-US" sz="1654">
-              <a:solidFill>
-                <a:schemeClr val="tx1"/>
-              </a:solidFill>
-              <a:latin typeface="Times New Roman" panose="02020603050405020304" pitchFamily="18" charset="0"/>
-              <a:cs typeface="Times New Roman" panose="02020603050405020304" pitchFamily="18" charset="0"/>
-            </a:endParaRPr>
           </a:p>
         </p:txBody>
       </p:sp>
@@ -6566,14 +6355,7 @@
                 <a:latin typeface="Times New Roman" panose="02020603050405020304" pitchFamily="18" charset="0"/>
                 <a:cs typeface="Times New Roman" panose="02020603050405020304" pitchFamily="18" charset="0"/>
               </a:rPr>
-              <a:t>c</a:t>
-            </a:r>
-            <a:r>
-              <a:rPr lang="en-US" sz="1654">
-                <a:latin typeface="Times New Roman" panose="02020603050405020304" pitchFamily="18" charset="0"/>
-                <a:cs typeface="Times New Roman" panose="02020603050405020304" pitchFamily="18" charset="0"/>
-              </a:rPr>
-              <a:t>K</a:t>
+              <a:t>cK</a:t>
             </a:r>
           </a:p>
         </p:txBody>
@@ -6648,13 +6430,6 @@
               </a:rPr>
               <a:t>Z_kc</a:t>
             </a:r>
-            <a:endParaRPr lang="en-US" sz="1654">
-              <a:solidFill>
-                <a:srgbClr val="FF0000"/>
-              </a:solidFill>
-              <a:latin typeface="Times New Roman" panose="02020603050405020304" pitchFamily="18" charset="0"/>
-              <a:cs typeface="Times New Roman" panose="02020603050405020304" pitchFamily="18" charset="0"/>
-            </a:endParaRPr>
           </a:p>
         </p:txBody>
       </p:sp>
@@ -7000,13 +6775,6 @@
               </a:rPr>
               <a:t>Adder</a:t>
             </a:r>
-            <a:endParaRPr lang="en-US" sz="1654">
-              <a:solidFill>
-                <a:schemeClr val="tx1"/>
-              </a:solidFill>
-              <a:latin typeface="Times New Roman" panose="02020603050405020304" pitchFamily="18" charset="0"/>
-              <a:cs typeface="Times New Roman" panose="02020603050405020304" pitchFamily="18" charset="0"/>
-            </a:endParaRPr>
           </a:p>
         </p:txBody>
       </p:sp>
@@ -7097,10 +6865,6 @@
               </a:rPr>
               <a:t>WE</a:t>
             </a:r>
-            <a:endParaRPr lang="en-US" sz="1654">
-              <a:latin typeface="Times New Roman" panose="02020603050405020304" pitchFamily="18" charset="0"/>
-              <a:cs typeface="Times New Roman" panose="02020603050405020304" pitchFamily="18" charset="0"/>
-            </a:endParaRPr>
           </a:p>
         </p:txBody>
       </p:sp>
@@ -7131,19 +6895,8 @@
                 <a:latin typeface="Times New Roman" panose="02020603050405020304" pitchFamily="18" charset="0"/>
                 <a:cs typeface="Times New Roman" panose="02020603050405020304" pitchFamily="18" charset="0"/>
               </a:rPr>
-              <a:t>R</a:t>
-            </a:r>
-            <a:r>
-              <a:rPr lang="en-US" sz="1654">
-                <a:latin typeface="Times New Roman" panose="02020603050405020304" pitchFamily="18" charset="0"/>
-                <a:cs typeface="Times New Roman" panose="02020603050405020304" pitchFamily="18" charset="0"/>
-              </a:rPr>
-              <a:t>E</a:t>
-            </a:r>
-            <a:endParaRPr lang="en-US" sz="1654">
-              <a:latin typeface="Times New Roman" panose="02020603050405020304" pitchFamily="18" charset="0"/>
-              <a:cs typeface="Times New Roman" panose="02020603050405020304" pitchFamily="18" charset="0"/>
-            </a:endParaRPr>
+              <a:t>RE</a:t>
+            </a:r>
           </a:p>
         </p:txBody>
       </p:sp>
@@ -7176,10 +6929,6 @@
               </a:rPr>
               <a:t>ADDR</a:t>
             </a:r>
-            <a:endParaRPr lang="en-US" sz="1654">
-              <a:latin typeface="Times New Roman" panose="02020603050405020304" pitchFamily="18" charset="0"/>
-              <a:cs typeface="Times New Roman" panose="02020603050405020304" pitchFamily="18" charset="0"/>
-            </a:endParaRPr>
           </a:p>
         </p:txBody>
       </p:sp>
@@ -7212,10 +6961,6 @@
               </a:rPr>
               <a:t>MK</a:t>
             </a:r>
-            <a:endParaRPr lang="en-US" sz="1654">
-              <a:latin typeface="Times New Roman" panose="02020603050405020304" pitchFamily="18" charset="0"/>
-              <a:cs typeface="Times New Roman" panose="02020603050405020304" pitchFamily="18" charset="0"/>
-            </a:endParaRPr>
           </a:p>
         </p:txBody>
       </p:sp>
@@ -7248,10 +6993,6 @@
               </a:rPr>
               <a:t>DOUT</a:t>
             </a:r>
-            <a:endParaRPr lang="en-US" sz="1654">
-              <a:latin typeface="Times New Roman" panose="02020603050405020304" pitchFamily="18" charset="0"/>
-              <a:cs typeface="Times New Roman" panose="02020603050405020304" pitchFamily="18" charset="0"/>
-            </a:endParaRPr>
           </a:p>
         </p:txBody>
       </p:sp>
@@ -7428,10 +7169,6 @@
               </a:rPr>
               <a:t>br</a:t>
             </a:r>
-            <a:endParaRPr lang="en-US" sz="1654">
-              <a:latin typeface="Times New Roman" panose="02020603050405020304" pitchFamily="18" charset="0"/>
-              <a:cs typeface="Times New Roman" panose="02020603050405020304" pitchFamily="18" charset="0"/>
-            </a:endParaRPr>
           </a:p>
         </p:txBody>
       </p:sp>
@@ -7464,10 +7201,6 @@
               </a:rPr>
               <a:t>bc</a:t>
             </a:r>
-            <a:endParaRPr lang="en-US" sz="1654">
-              <a:latin typeface="Times New Roman" panose="02020603050405020304" pitchFamily="18" charset="0"/>
-              <a:cs typeface="Times New Roman" panose="02020603050405020304" pitchFamily="18" charset="0"/>
-            </a:endParaRPr>
           </a:p>
         </p:txBody>
       </p:sp>
@@ -7498,57 +7231,39 @@
                 <a:latin typeface="Times New Roman" panose="02020603050405020304" pitchFamily="18" charset="0"/>
                 <a:cs typeface="Times New Roman" panose="02020603050405020304" pitchFamily="18" charset="0"/>
               </a:rPr>
-              <a:t>k</a:t>
-            </a:r>
+              <a:t>kr</a:t>
+            </a:r>
+          </a:p>
+        </p:txBody>
+      </p:sp>
+      <p:sp>
+        <p:nvSpPr>
+          <p:cNvPr id="608" name="TextBox 607"/>
+          <p:cNvSpPr txBox="1"/>
+          <p:nvPr/>
+        </p:nvSpPr>
+        <p:spPr>
+          <a:xfrm>
+            <a:off x="13229118" y="10416682"/>
+            <a:ext cx="385042" cy="346890"/>
+          </a:xfrm>
+          <a:prstGeom prst="rect">
+            <a:avLst/>
+          </a:prstGeom>
+          <a:noFill/>
+        </p:spPr>
+        <p:txBody>
+          <a:bodyPr wrap="none" rtlCol="0">
+            <a:spAutoFit/>
+          </a:bodyPr>
+          <a:lstStyle/>
+          <a:p>
             <a:r>
               <a:rPr lang="en-US" sz="1654">
                 <a:latin typeface="Times New Roman" panose="02020603050405020304" pitchFamily="18" charset="0"/>
                 <a:cs typeface="Times New Roman" panose="02020603050405020304" pitchFamily="18" charset="0"/>
               </a:rPr>
-              <a:t>r</a:t>
-            </a:r>
-            <a:endParaRPr lang="en-US" sz="1654">
-              <a:latin typeface="Times New Roman" panose="02020603050405020304" pitchFamily="18" charset="0"/>
-              <a:cs typeface="Times New Roman" panose="02020603050405020304" pitchFamily="18" charset="0"/>
-            </a:endParaRPr>
-          </a:p>
-        </p:txBody>
-      </p:sp>
-      <p:sp>
-        <p:nvSpPr>
-          <p:cNvPr id="608" name="TextBox 607"/>
-          <p:cNvSpPr txBox="1"/>
-          <p:nvPr/>
-        </p:nvSpPr>
-        <p:spPr>
-          <a:xfrm>
-            <a:off x="13229118" y="10416682"/>
-            <a:ext cx="385042" cy="346890"/>
-          </a:xfrm>
-          <a:prstGeom prst="rect">
-            <a:avLst/>
-          </a:prstGeom>
-          <a:noFill/>
-        </p:spPr>
-        <p:txBody>
-          <a:bodyPr wrap="none" rtlCol="0">
-            <a:spAutoFit/>
-          </a:bodyPr>
-          <a:lstStyle/>
-          <a:p>
-            <a:r>
-              <a:rPr lang="en-US" sz="1654">
-                <a:latin typeface="Times New Roman" panose="02020603050405020304" pitchFamily="18" charset="0"/>
-                <a:cs typeface="Times New Roman" panose="02020603050405020304" pitchFamily="18" charset="0"/>
-              </a:rPr>
-              <a:t>k</a:t>
-            </a:r>
-            <a:r>
-              <a:rPr lang="en-US" sz="1654">
-                <a:latin typeface="Times New Roman" panose="02020603050405020304" pitchFamily="18" charset="0"/>
-                <a:cs typeface="Times New Roman" panose="02020603050405020304" pitchFamily="18" charset="0"/>
-              </a:rPr>
-              <a:t>c</a:t>
+              <a:t>kc</a:t>
             </a:r>
           </a:p>
         </p:txBody>
@@ -7618,10 +7333,6 @@
               </a:rPr>
               <a:t>br</a:t>
             </a:r>
-            <a:endParaRPr lang="en-US" sz="1654">
-              <a:latin typeface="Times New Roman" panose="02020603050405020304" pitchFamily="18" charset="0"/>
-              <a:cs typeface="Times New Roman" panose="02020603050405020304" pitchFamily="18" charset="0"/>
-            </a:endParaRPr>
           </a:p>
         </p:txBody>
       </p:sp>
@@ -7652,19 +7363,8 @@
                 <a:latin typeface="Times New Roman" panose="02020603050405020304" pitchFamily="18" charset="0"/>
                 <a:cs typeface="Times New Roman" panose="02020603050405020304" pitchFamily="18" charset="0"/>
               </a:rPr>
-              <a:t>k</a:t>
-            </a:r>
-            <a:r>
-              <a:rPr lang="en-US" sz="1654">
-                <a:latin typeface="Times New Roman" panose="02020603050405020304" pitchFamily="18" charset="0"/>
-                <a:cs typeface="Times New Roman" panose="02020603050405020304" pitchFamily="18" charset="0"/>
-              </a:rPr>
-              <a:t>r</a:t>
-            </a:r>
-            <a:endParaRPr lang="en-US" sz="1654">
-              <a:latin typeface="Times New Roman" panose="02020603050405020304" pitchFamily="18" charset="0"/>
-              <a:cs typeface="Times New Roman" panose="02020603050405020304" pitchFamily="18" charset="0"/>
-            </a:endParaRPr>
+              <a:t>kr</a:t>
+            </a:r>
           </a:p>
         </p:txBody>
       </p:sp>
@@ -7739,13 +7439,6 @@
               </a:rPr>
               <a:t>Converter</a:t>
             </a:r>
-            <a:endParaRPr lang="en-US" sz="1654">
-              <a:solidFill>
-                <a:schemeClr val="tx1"/>
-              </a:solidFill>
-              <a:latin typeface="Times New Roman" panose="02020603050405020304" pitchFamily="18" charset="0"/>
-              <a:cs typeface="Times New Roman" panose="02020603050405020304" pitchFamily="18" charset="0"/>
-            </a:endParaRPr>
           </a:p>
         </p:txBody>
       </p:sp>
@@ -7778,10 +7471,6 @@
               </a:rPr>
               <a:t>DIN</a:t>
             </a:r>
-            <a:endParaRPr lang="en-US" sz="1654">
-              <a:latin typeface="Times New Roman" panose="02020603050405020304" pitchFamily="18" charset="0"/>
-              <a:cs typeface="Times New Roman" panose="02020603050405020304" pitchFamily="18" charset="0"/>
-            </a:endParaRPr>
           </a:p>
         </p:txBody>
       </p:sp>
@@ -7843,13 +7532,6 @@
               </a:rPr>
               <a:t>Adder</a:t>
             </a:r>
-            <a:endParaRPr lang="en-US" sz="1654">
-              <a:solidFill>
-                <a:schemeClr val="tx1"/>
-              </a:solidFill>
-              <a:latin typeface="Times New Roman" panose="02020603050405020304" pitchFamily="18" charset="0"/>
-              <a:cs typeface="Times New Roman" panose="02020603050405020304" pitchFamily="18" charset="0"/>
-            </a:endParaRPr>
           </a:p>
         </p:txBody>
       </p:sp>
@@ -7954,10 +7636,6 @@
               </a:rPr>
               <a:t>bc</a:t>
             </a:r>
-            <a:endParaRPr lang="en-US" sz="1654">
-              <a:latin typeface="Times New Roman" panose="02020603050405020304" pitchFamily="18" charset="0"/>
-              <a:cs typeface="Times New Roman" panose="02020603050405020304" pitchFamily="18" charset="0"/>
-            </a:endParaRPr>
           </a:p>
         </p:txBody>
       </p:sp>
@@ -7988,14 +7666,7 @@
                 <a:latin typeface="Times New Roman" panose="02020603050405020304" pitchFamily="18" charset="0"/>
                 <a:cs typeface="Times New Roman" panose="02020603050405020304" pitchFamily="18" charset="0"/>
               </a:rPr>
-              <a:t>k</a:t>
-            </a:r>
-            <a:r>
-              <a:rPr lang="en-US" sz="1654">
-                <a:latin typeface="Times New Roman" panose="02020603050405020304" pitchFamily="18" charset="0"/>
-                <a:cs typeface="Times New Roman" panose="02020603050405020304" pitchFamily="18" charset="0"/>
-              </a:rPr>
-              <a:t>c</a:t>
+              <a:t>kc</a:t>
             </a:r>
           </a:p>
         </p:txBody>
@@ -8105,10 +7776,6 @@
               </a:rPr>
               <a:t>A_Addr</a:t>
             </a:r>
-            <a:endParaRPr lang="en-US" sz="1654">
-              <a:latin typeface="Times New Roman" panose="02020603050405020304" pitchFamily="18" charset="0"/>
-              <a:cs typeface="Times New Roman" panose="02020603050405020304" pitchFamily="18" charset="0"/>
-            </a:endParaRPr>
           </a:p>
         </p:txBody>
       </p:sp>
@@ -8141,10 +7808,6 @@
               </a:rPr>
               <a:t>A_col</a:t>
             </a:r>
-            <a:endParaRPr lang="en-US" sz="1654">
-              <a:latin typeface="Times New Roman" panose="02020603050405020304" pitchFamily="18" charset="0"/>
-              <a:cs typeface="Times New Roman" panose="02020603050405020304" pitchFamily="18" charset="0"/>
-            </a:endParaRPr>
           </a:p>
         </p:txBody>
       </p:sp>
@@ -8177,10 +7840,6 @@
               </a:rPr>
               <a:t>A_row</a:t>
             </a:r>
-            <a:endParaRPr lang="en-US" sz="1654">
-              <a:latin typeface="Times New Roman" panose="02020603050405020304" pitchFamily="18" charset="0"/>
-              <a:cs typeface="Times New Roman" panose="02020603050405020304" pitchFamily="18" charset="0"/>
-            </a:endParaRPr>
           </a:p>
         </p:txBody>
       </p:sp>
@@ -8293,13 +7952,6 @@
               </a:rPr>
               <a:t>Converter</a:t>
             </a:r>
-            <a:endParaRPr lang="en-US" sz="1654">
-              <a:solidFill>
-                <a:schemeClr val="tx1"/>
-              </a:solidFill>
-              <a:latin typeface="Times New Roman" panose="02020603050405020304" pitchFamily="18" charset="0"/>
-              <a:cs typeface="Times New Roman" panose="02020603050405020304" pitchFamily="18" charset="0"/>
-            </a:endParaRPr>
           </a:p>
         </p:txBody>
       </p:sp>
@@ -8368,19 +8020,8 @@
                 <a:latin typeface="Times New Roman" panose="02020603050405020304" pitchFamily="18" charset="0"/>
                 <a:cs typeface="Times New Roman" panose="02020603050405020304" pitchFamily="18" charset="0"/>
               </a:rPr>
-              <a:t>K</a:t>
-            </a:r>
-            <a:r>
-              <a:rPr lang="en-US" sz="1654">
-                <a:latin typeface="Times New Roman" panose="02020603050405020304" pitchFamily="18" charset="0"/>
-                <a:cs typeface="Times New Roman" panose="02020603050405020304" pitchFamily="18" charset="0"/>
-              </a:rPr>
-              <a:t>_Addr</a:t>
-            </a:r>
-            <a:endParaRPr lang="en-US" sz="1654">
-              <a:latin typeface="Times New Roman" panose="02020603050405020304" pitchFamily="18" charset="0"/>
-              <a:cs typeface="Times New Roman" panose="02020603050405020304" pitchFamily="18" charset="0"/>
-            </a:endParaRPr>
+              <a:t>K_Addr</a:t>
+            </a:r>
           </a:p>
         </p:txBody>
       </p:sp>
@@ -8483,57 +8124,39 @@
                 <a:latin typeface="Times New Roman" panose="02020603050405020304" pitchFamily="18" charset="0"/>
                 <a:cs typeface="Times New Roman" panose="02020603050405020304" pitchFamily="18" charset="0"/>
               </a:rPr>
-              <a:t>k</a:t>
-            </a:r>
+              <a:t>kr</a:t>
+            </a:r>
+          </a:p>
+        </p:txBody>
+      </p:sp>
+      <p:sp>
+        <p:nvSpPr>
+          <p:cNvPr id="632" name="TextBox 631"/>
+          <p:cNvSpPr txBox="1"/>
+          <p:nvPr/>
+        </p:nvSpPr>
+        <p:spPr>
+          <a:xfrm>
+            <a:off x="9927424" y="9694546"/>
+            <a:ext cx="385042" cy="346890"/>
+          </a:xfrm>
+          <a:prstGeom prst="rect">
+            <a:avLst/>
+          </a:prstGeom>
+          <a:noFill/>
+        </p:spPr>
+        <p:txBody>
+          <a:bodyPr wrap="none" rtlCol="0">
+            <a:spAutoFit/>
+          </a:bodyPr>
+          <a:lstStyle/>
+          <a:p>
             <a:r>
               <a:rPr lang="en-US" sz="1654">
                 <a:latin typeface="Times New Roman" panose="02020603050405020304" pitchFamily="18" charset="0"/>
                 <a:cs typeface="Times New Roman" panose="02020603050405020304" pitchFamily="18" charset="0"/>
               </a:rPr>
-              <a:t>r</a:t>
-            </a:r>
-            <a:endParaRPr lang="en-US" sz="1654">
-              <a:latin typeface="Times New Roman" panose="02020603050405020304" pitchFamily="18" charset="0"/>
-              <a:cs typeface="Times New Roman" panose="02020603050405020304" pitchFamily="18" charset="0"/>
-            </a:endParaRPr>
-          </a:p>
-        </p:txBody>
-      </p:sp>
-      <p:sp>
-        <p:nvSpPr>
-          <p:cNvPr id="632" name="TextBox 631"/>
-          <p:cNvSpPr txBox="1"/>
-          <p:nvPr/>
-        </p:nvSpPr>
-        <p:spPr>
-          <a:xfrm>
-            <a:off x="9927424" y="9694546"/>
-            <a:ext cx="385042" cy="346890"/>
-          </a:xfrm>
-          <a:prstGeom prst="rect">
-            <a:avLst/>
-          </a:prstGeom>
-          <a:noFill/>
-        </p:spPr>
-        <p:txBody>
-          <a:bodyPr wrap="none" rtlCol="0">
-            <a:spAutoFit/>
-          </a:bodyPr>
-          <a:lstStyle/>
-          <a:p>
-            <a:r>
-              <a:rPr lang="en-US" sz="1654">
-                <a:latin typeface="Times New Roman" panose="02020603050405020304" pitchFamily="18" charset="0"/>
-                <a:cs typeface="Times New Roman" panose="02020603050405020304" pitchFamily="18" charset="0"/>
-              </a:rPr>
-              <a:t>k</a:t>
-            </a:r>
-            <a:r>
-              <a:rPr lang="en-US" sz="1654">
-                <a:latin typeface="Times New Roman" panose="02020603050405020304" pitchFamily="18" charset="0"/>
-                <a:cs typeface="Times New Roman" panose="02020603050405020304" pitchFamily="18" charset="0"/>
-              </a:rPr>
-              <a:t>c</a:t>
+              <a:t>kc</a:t>
             </a:r>
           </a:p>
         </p:txBody>
@@ -8609,13 +8232,6 @@
               </a:rPr>
               <a:t>Converter</a:t>
             </a:r>
-            <a:endParaRPr lang="en-US" sz="1654">
-              <a:solidFill>
-                <a:schemeClr val="tx1"/>
-              </a:solidFill>
-              <a:latin typeface="Times New Roman" panose="02020603050405020304" pitchFamily="18" charset="0"/>
-              <a:cs typeface="Times New Roman" panose="02020603050405020304" pitchFamily="18" charset="0"/>
-            </a:endParaRPr>
           </a:p>
         </p:txBody>
       </p:sp>
@@ -8684,19 +8300,8 @@
                 <a:latin typeface="Times New Roman" panose="02020603050405020304" pitchFamily="18" charset="0"/>
                 <a:cs typeface="Times New Roman" panose="02020603050405020304" pitchFamily="18" charset="0"/>
               </a:rPr>
-              <a:t>B</a:t>
-            </a:r>
-            <a:r>
-              <a:rPr lang="en-US" sz="1654">
-                <a:latin typeface="Times New Roman" panose="02020603050405020304" pitchFamily="18" charset="0"/>
-                <a:cs typeface="Times New Roman" panose="02020603050405020304" pitchFamily="18" charset="0"/>
-              </a:rPr>
-              <a:t>_Addr</a:t>
-            </a:r>
-            <a:endParaRPr lang="en-US" sz="1654">
-              <a:latin typeface="Times New Roman" panose="02020603050405020304" pitchFamily="18" charset="0"/>
-              <a:cs typeface="Times New Roman" panose="02020603050405020304" pitchFamily="18" charset="0"/>
-            </a:endParaRPr>
+              <a:t>B_Addr</a:t>
+            </a:r>
           </a:p>
         </p:txBody>
       </p:sp>
@@ -8801,10 +8406,6 @@
               </a:rPr>
               <a:t>br</a:t>
             </a:r>
-            <a:endParaRPr lang="en-US" sz="1654">
-              <a:latin typeface="Times New Roman" panose="02020603050405020304" pitchFamily="18" charset="0"/>
-              <a:cs typeface="Times New Roman" panose="02020603050405020304" pitchFamily="18" charset="0"/>
-            </a:endParaRPr>
           </a:p>
         </p:txBody>
       </p:sp>
@@ -8835,98 +8436,76 @@
                 <a:latin typeface="Times New Roman" panose="02020603050405020304" pitchFamily="18" charset="0"/>
                 <a:cs typeface="Times New Roman" panose="02020603050405020304" pitchFamily="18" charset="0"/>
               </a:rPr>
-              <a:t>b</a:t>
-            </a:r>
+              <a:t>bc</a:t>
+            </a:r>
+          </a:p>
+        </p:txBody>
+      </p:sp>
+      <p:cxnSp>
+        <p:nvCxnSpPr>
+          <p:cNvPr id="640" name="Straight Arrow Connector 639"/>
+          <p:cNvCxnSpPr/>
+          <p:nvPr/>
+        </p:nvCxnSpPr>
+        <p:spPr>
+          <a:xfrm flipH="1">
+            <a:off x="6909000" y="3335504"/>
+            <a:ext cx="686170" cy="4860"/>
+          </a:xfrm>
+          <a:prstGeom prst="straightConnector1">
+            <a:avLst/>
+          </a:prstGeom>
+          <a:ln>
+            <a:solidFill>
+              <a:schemeClr val="tx1"/>
+            </a:solidFill>
+            <a:tailEnd type="triangle"/>
+          </a:ln>
+        </p:spPr>
+        <p:style>
+          <a:lnRef idx="1">
+            <a:schemeClr val="accent1"/>
+          </a:lnRef>
+          <a:fillRef idx="0">
+            <a:schemeClr val="accent1"/>
+          </a:fillRef>
+          <a:effectRef idx="0">
+            <a:schemeClr val="accent1"/>
+          </a:effectRef>
+          <a:fontRef idx="minor">
+            <a:schemeClr val="tx1"/>
+          </a:fontRef>
+        </p:style>
+      </p:cxnSp>
+      <p:sp>
+        <p:nvSpPr>
+          <p:cNvPr id="641" name="TextBox 640"/>
+          <p:cNvSpPr txBox="1"/>
+          <p:nvPr/>
+        </p:nvSpPr>
+        <p:spPr>
+          <a:xfrm>
+            <a:off x="6932737" y="2983433"/>
+            <a:ext cx="924650" cy="346890"/>
+          </a:xfrm>
+          <a:prstGeom prst="rect">
+            <a:avLst/>
+          </a:prstGeom>
+          <a:noFill/>
+        </p:spPr>
+        <p:txBody>
+          <a:bodyPr wrap="square" rtlCol="0">
+            <a:spAutoFit/>
+          </a:bodyPr>
+          <a:lstStyle/>
+          <a:p>
             <a:r>
               <a:rPr lang="en-US" sz="1654">
                 <a:latin typeface="Times New Roman" panose="02020603050405020304" pitchFamily="18" charset="0"/>
                 <a:cs typeface="Times New Roman" panose="02020603050405020304" pitchFamily="18" charset="0"/>
               </a:rPr>
-              <a:t>c</a:t>
-            </a:r>
-            <a:endParaRPr lang="en-US" sz="1654">
-              <a:latin typeface="Times New Roman" panose="02020603050405020304" pitchFamily="18" charset="0"/>
-              <a:cs typeface="Times New Roman" panose="02020603050405020304" pitchFamily="18" charset="0"/>
-            </a:endParaRPr>
-          </a:p>
-        </p:txBody>
-      </p:sp>
-      <p:cxnSp>
-        <p:nvCxnSpPr>
-          <p:cNvPr id="640" name="Straight Arrow Connector 639"/>
-          <p:cNvCxnSpPr/>
-          <p:nvPr/>
-        </p:nvCxnSpPr>
-        <p:spPr>
-          <a:xfrm flipH="1">
-            <a:off x="6909000" y="3335504"/>
-            <a:ext cx="686170" cy="4860"/>
-          </a:xfrm>
-          <a:prstGeom prst="straightConnector1">
-            <a:avLst/>
-          </a:prstGeom>
-          <a:ln>
-            <a:solidFill>
-              <a:schemeClr val="tx1"/>
-            </a:solidFill>
-            <a:tailEnd type="triangle"/>
-          </a:ln>
-        </p:spPr>
-        <p:style>
-          <a:lnRef idx="1">
-            <a:schemeClr val="accent1"/>
-          </a:lnRef>
-          <a:fillRef idx="0">
-            <a:schemeClr val="accent1"/>
-          </a:fillRef>
-          <a:effectRef idx="0">
-            <a:schemeClr val="accent1"/>
-          </a:effectRef>
-          <a:fontRef idx="minor">
-            <a:schemeClr val="tx1"/>
-          </a:fontRef>
-        </p:style>
-      </p:cxnSp>
-      <p:sp>
-        <p:nvSpPr>
-          <p:cNvPr id="641" name="TextBox 640"/>
-          <p:cNvSpPr txBox="1"/>
-          <p:nvPr/>
-        </p:nvSpPr>
-        <p:spPr>
-          <a:xfrm>
-            <a:off x="6932737" y="2983433"/>
-            <a:ext cx="924650" cy="346890"/>
-          </a:xfrm>
-          <a:prstGeom prst="rect">
-            <a:avLst/>
-          </a:prstGeom>
-          <a:noFill/>
-        </p:spPr>
-        <p:txBody>
-          <a:bodyPr wrap="square" rtlCol="0">
-            <a:spAutoFit/>
-          </a:bodyPr>
-          <a:lstStyle/>
-          <a:p>
-            <a:r>
-              <a:rPr lang="en-US" sz="1654">
-                <a:latin typeface="Times New Roman" panose="02020603050405020304" pitchFamily="18" charset="0"/>
-                <a:cs typeface="Times New Roman" panose="02020603050405020304" pitchFamily="18" charset="0"/>
-              </a:rPr>
-              <a:t>K</a:t>
-            </a:r>
-            <a:r>
-              <a:rPr lang="en-US" sz="1654">
-                <a:latin typeface="Times New Roman" panose="02020603050405020304" pitchFamily="18" charset="0"/>
-                <a:cs typeface="Times New Roman" panose="02020603050405020304" pitchFamily="18" charset="0"/>
-              </a:rPr>
-              <a:t>_Addr</a:t>
-            </a:r>
-            <a:endParaRPr lang="en-US" sz="1654">
-              <a:latin typeface="Times New Roman" panose="02020603050405020304" pitchFamily="18" charset="0"/>
-              <a:cs typeface="Times New Roman" panose="02020603050405020304" pitchFamily="18" charset="0"/>
-            </a:endParaRPr>
+              <a:t>K_Addr</a:t>
+            </a:r>
           </a:p>
         </p:txBody>
       </p:sp>
@@ -9017,10 +8596,6 @@
               </a:rPr>
               <a:t>WE</a:t>
             </a:r>
-            <a:endParaRPr lang="en-US" sz="1654">
-              <a:latin typeface="Times New Roman" panose="02020603050405020304" pitchFamily="18" charset="0"/>
-              <a:cs typeface="Times New Roman" panose="02020603050405020304" pitchFamily="18" charset="0"/>
-            </a:endParaRPr>
           </a:p>
         </p:txBody>
       </p:sp>
@@ -9051,19 +8626,8 @@
                 <a:latin typeface="Times New Roman" panose="02020603050405020304" pitchFamily="18" charset="0"/>
                 <a:cs typeface="Times New Roman" panose="02020603050405020304" pitchFamily="18" charset="0"/>
               </a:rPr>
-              <a:t>R</a:t>
-            </a:r>
-            <a:r>
-              <a:rPr lang="en-US" sz="1654">
-                <a:latin typeface="Times New Roman" panose="02020603050405020304" pitchFamily="18" charset="0"/>
-                <a:cs typeface="Times New Roman" panose="02020603050405020304" pitchFamily="18" charset="0"/>
-              </a:rPr>
-              <a:t>E</a:t>
-            </a:r>
-            <a:endParaRPr lang="en-US" sz="1654">
-              <a:latin typeface="Times New Roman" panose="02020603050405020304" pitchFamily="18" charset="0"/>
-              <a:cs typeface="Times New Roman" panose="02020603050405020304" pitchFamily="18" charset="0"/>
-            </a:endParaRPr>
+              <a:t>RE</a:t>
+            </a:r>
           </a:p>
         </p:txBody>
       </p:sp>
@@ -9096,10 +8660,6 @@
               </a:rPr>
               <a:t>ADDR</a:t>
             </a:r>
-            <a:endParaRPr lang="en-US" sz="1654">
-              <a:latin typeface="Times New Roman" panose="02020603050405020304" pitchFamily="18" charset="0"/>
-              <a:cs typeface="Times New Roman" panose="02020603050405020304" pitchFamily="18" charset="0"/>
-            </a:endParaRPr>
           </a:p>
         </p:txBody>
       </p:sp>
@@ -9132,10 +8692,6 @@
               </a:rPr>
               <a:t>MB</a:t>
             </a:r>
-            <a:endParaRPr lang="en-US" sz="1654">
-              <a:latin typeface="Times New Roman" panose="02020603050405020304" pitchFamily="18" charset="0"/>
-              <a:cs typeface="Times New Roman" panose="02020603050405020304" pitchFamily="18" charset="0"/>
-            </a:endParaRPr>
           </a:p>
         </p:txBody>
       </p:sp>
@@ -9168,10 +8724,6 @@
               </a:rPr>
               <a:t>DOUT</a:t>
             </a:r>
-            <a:endParaRPr lang="en-US" sz="1654">
-              <a:latin typeface="Times New Roman" panose="02020603050405020304" pitchFamily="18" charset="0"/>
-              <a:cs typeface="Times New Roman" panose="02020603050405020304" pitchFamily="18" charset="0"/>
-            </a:endParaRPr>
           </a:p>
         </p:txBody>
       </p:sp>
@@ -9204,10 +8756,6 @@
               </a:rPr>
               <a:t>DIN</a:t>
             </a:r>
-            <a:endParaRPr lang="en-US" sz="1654">
-              <a:latin typeface="Times New Roman" panose="02020603050405020304" pitchFamily="18" charset="0"/>
-              <a:cs typeface="Times New Roman" panose="02020603050405020304" pitchFamily="18" charset="0"/>
-            </a:endParaRPr>
           </a:p>
         </p:txBody>
       </p:sp>
@@ -9269,13 +8817,6 @@
               </a:rPr>
               <a:t>Mul</a:t>
             </a:r>
-            <a:endParaRPr lang="en-US" sz="1654">
-              <a:solidFill>
-                <a:schemeClr val="tx1"/>
-              </a:solidFill>
-              <a:latin typeface="Times New Roman" panose="02020603050405020304" pitchFamily="18" charset="0"/>
-              <a:cs typeface="Times New Roman" panose="02020603050405020304" pitchFamily="18" charset="0"/>
-            </a:endParaRPr>
           </a:p>
         </p:txBody>
       </p:sp>
@@ -9337,13 +8878,6 @@
               </a:rPr>
               <a:t>Adder</a:t>
             </a:r>
-            <a:endParaRPr lang="en-US" sz="1654">
-              <a:solidFill>
-                <a:schemeClr val="tx1"/>
-              </a:solidFill>
-              <a:latin typeface="Times New Roman" panose="02020603050405020304" pitchFamily="18" charset="0"/>
-              <a:cs typeface="Times New Roman" panose="02020603050405020304" pitchFamily="18" charset="0"/>
-            </a:endParaRPr>
           </a:p>
         </p:txBody>
       </p:sp>
@@ -9526,10 +9060,6 @@
               </a:rPr>
               <a:t>0</a:t>
             </a:r>
-            <a:endParaRPr lang="en-US" sz="1654">
-              <a:latin typeface="Times New Roman" panose="02020603050405020304" pitchFamily="18" charset="0"/>
-              <a:cs typeface="Times New Roman" panose="02020603050405020304" pitchFamily="18" charset="0"/>
-            </a:endParaRPr>
           </a:p>
         </p:txBody>
       </p:sp>
@@ -9605,15 +9135,6 @@
               </a:rPr>
               <a:t>D_sel</a:t>
             </a:r>
-            <a:endParaRPr lang="en-US" sz="1654">
-              <a:solidFill>
-                <a:schemeClr val="accent1">
-                  <a:lumMod val="75000"/>
-                </a:schemeClr>
-              </a:solidFill>
-              <a:latin typeface="Times New Roman" panose="02020603050405020304" pitchFamily="18" charset="0"/>
-              <a:cs typeface="Times New Roman" panose="02020603050405020304" pitchFamily="18" charset="0"/>
-            </a:endParaRPr>
           </a:p>
         </p:txBody>
       </p:sp>
@@ -9685,10 +9206,6 @@
               </a:rPr>
               <a:t>MK_out</a:t>
             </a:r>
-            <a:endParaRPr lang="en-US" sz="1654">
-              <a:latin typeface="Times New Roman" panose="02020603050405020304" pitchFamily="18" charset="0"/>
-              <a:cs typeface="Times New Roman" panose="02020603050405020304" pitchFamily="18" charset="0"/>
-            </a:endParaRPr>
           </a:p>
         </p:txBody>
       </p:sp>
@@ -9721,10 +9238,6 @@
               </a:rPr>
               <a:t>MUL_AK</a:t>
             </a:r>
-            <a:endParaRPr lang="en-US" sz="1654">
-              <a:latin typeface="Times New Roman" panose="02020603050405020304" pitchFamily="18" charset="0"/>
-              <a:cs typeface="Times New Roman" panose="02020603050405020304" pitchFamily="18" charset="0"/>
-            </a:endParaRPr>
           </a:p>
         </p:txBody>
       </p:sp>
@@ -9797,10 +9310,6 @@
               </a:rPr>
               <a:t>MT_out</a:t>
             </a:r>
-            <a:endParaRPr lang="en-US" sz="1654">
-              <a:latin typeface="Times New Roman" panose="02020603050405020304" pitchFamily="18" charset="0"/>
-              <a:cs typeface="Times New Roman" panose="02020603050405020304" pitchFamily="18" charset="0"/>
-            </a:endParaRPr>
           </a:p>
         </p:txBody>
       </p:sp>
@@ -9833,10 +9342,6 @@
               </a:rPr>
               <a:t>MB_tmp</a:t>
             </a:r>
-            <a:endParaRPr lang="en-US" sz="1654">
-              <a:latin typeface="Times New Roman" panose="02020603050405020304" pitchFamily="18" charset="0"/>
-              <a:cs typeface="Times New Roman" panose="02020603050405020304" pitchFamily="18" charset="0"/>
-            </a:endParaRPr>
           </a:p>
         </p:txBody>
       </p:sp>
@@ -9869,10 +9374,6 @@
               </a:rPr>
               <a:t>MB_in</a:t>
             </a:r>
-            <a:endParaRPr lang="en-US" sz="1654">
-              <a:latin typeface="Times New Roman" panose="02020603050405020304" pitchFamily="18" charset="0"/>
-              <a:cs typeface="Times New Roman" panose="02020603050405020304" pitchFamily="18" charset="0"/>
-            </a:endParaRPr>
           </a:p>
         </p:txBody>
       </p:sp>
@@ -9905,10 +9406,6 @@
               </a:rPr>
               <a:t>MA_out</a:t>
             </a:r>
-            <a:endParaRPr lang="en-US" sz="1654">
-              <a:latin typeface="Times New Roman" panose="02020603050405020304" pitchFamily="18" charset="0"/>
-              <a:cs typeface="Times New Roman" panose="02020603050405020304" pitchFamily="18" charset="0"/>
-            </a:endParaRPr>
           </a:p>
         </p:txBody>
       </p:sp>
@@ -10111,10 +9608,6 @@
               </a:rPr>
               <a:t>0</a:t>
             </a:r>
-            <a:endParaRPr lang="en-US" sz="1654">
-              <a:latin typeface="Times New Roman" panose="02020603050405020304" pitchFamily="18" charset="0"/>
-              <a:cs typeface="Times New Roman" panose="02020603050405020304" pitchFamily="18" charset="0"/>
-            </a:endParaRPr>
           </a:p>
         </p:txBody>
       </p:sp>
@@ -10222,15 +9715,6 @@
               </a:rPr>
               <a:t>WE_K</a:t>
             </a:r>
-            <a:endParaRPr lang="en-US" sz="1654">
-              <a:solidFill>
-                <a:schemeClr val="accent1">
-                  <a:lumMod val="75000"/>
-                </a:schemeClr>
-              </a:solidFill>
-              <a:latin typeface="Times New Roman" panose="02020603050405020304" pitchFamily="18" charset="0"/>
-              <a:cs typeface="Times New Roman" panose="02020603050405020304" pitchFamily="18" charset="0"/>
-            </a:endParaRPr>
           </a:p>
         </p:txBody>
       </p:sp>
@@ -10302,29 +9786,8 @@
                 <a:latin typeface="Times New Roman" panose="02020603050405020304" pitchFamily="18" charset="0"/>
                 <a:cs typeface="Times New Roman" panose="02020603050405020304" pitchFamily="18" charset="0"/>
               </a:rPr>
-              <a:t>R</a:t>
-            </a:r>
-            <a:r>
-              <a:rPr lang="en-US" sz="1654">
-                <a:solidFill>
-                  <a:schemeClr val="accent1">
-                    <a:lumMod val="75000"/>
-                  </a:schemeClr>
-                </a:solidFill>
-                <a:latin typeface="Times New Roman" panose="02020603050405020304" pitchFamily="18" charset="0"/>
-                <a:cs typeface="Times New Roman" panose="02020603050405020304" pitchFamily="18" charset="0"/>
-              </a:rPr>
-              <a:t>E_K</a:t>
-            </a:r>
-            <a:endParaRPr lang="en-US" sz="1654">
-              <a:solidFill>
-                <a:schemeClr val="accent1">
-                  <a:lumMod val="75000"/>
-                </a:schemeClr>
-              </a:solidFill>
-              <a:latin typeface="Times New Roman" panose="02020603050405020304" pitchFamily="18" charset="0"/>
-              <a:cs typeface="Times New Roman" panose="02020603050405020304" pitchFamily="18" charset="0"/>
-            </a:endParaRPr>
+              <a:t>RE_K</a:t>
+            </a:r>
           </a:p>
         </p:txBody>
       </p:sp>
@@ -10362,15 +9825,6 @@
               </a:rPr>
               <a:t>WE_B</a:t>
             </a:r>
-            <a:endParaRPr lang="en-US" sz="1654">
-              <a:solidFill>
-                <a:schemeClr val="accent1">
-                  <a:lumMod val="75000"/>
-                </a:schemeClr>
-              </a:solidFill>
-              <a:latin typeface="Times New Roman" panose="02020603050405020304" pitchFamily="18" charset="0"/>
-              <a:cs typeface="Times New Roman" panose="02020603050405020304" pitchFamily="18" charset="0"/>
-            </a:endParaRPr>
           </a:p>
         </p:txBody>
       </p:sp>
@@ -10408,15 +9862,6 @@
               </a:rPr>
               <a:t>RE_B</a:t>
             </a:r>
-            <a:endParaRPr lang="en-US" sz="1654">
-              <a:solidFill>
-                <a:schemeClr val="accent1">
-                  <a:lumMod val="75000"/>
-                </a:schemeClr>
-              </a:solidFill>
-              <a:latin typeface="Times New Roman" panose="02020603050405020304" pitchFamily="18" charset="0"/>
-              <a:cs typeface="Times New Roman" panose="02020603050405020304" pitchFamily="18" charset="0"/>
-            </a:endParaRPr>
           </a:p>
         </p:txBody>
       </p:sp>
@@ -10523,10 +9968,6 @@
               </a:rPr>
               <a:t>Clk</a:t>
             </a:r>
-            <a:endParaRPr lang="en-US" sz="1800">
-              <a:latin typeface="Times New Roman" panose="02020603050405020304" pitchFamily="18" charset="0"/>
-              <a:cs typeface="Times New Roman" panose="02020603050405020304" pitchFamily="18" charset="0"/>
-            </a:endParaRPr>
           </a:p>
         </p:txBody>
       </p:sp>
@@ -10595,10 +10036,6 @@
               </a:rPr>
               <a:t>Reset</a:t>
             </a:r>
-            <a:endParaRPr lang="en-US" sz="1800">
-              <a:latin typeface="Times New Roman" panose="02020603050405020304" pitchFamily="18" charset="0"/>
-              <a:cs typeface="Times New Roman" panose="02020603050405020304" pitchFamily="18" charset="0"/>
-            </a:endParaRPr>
           </a:p>
         </p:txBody>
       </p:sp>
@@ -10689,10 +10126,6 @@
               </a:rPr>
               <a:t>WE</a:t>
             </a:r>
-            <a:endParaRPr lang="en-US" sz="1654">
-              <a:latin typeface="Times New Roman" panose="02020603050405020304" pitchFamily="18" charset="0"/>
-              <a:cs typeface="Times New Roman" panose="02020603050405020304" pitchFamily="18" charset="0"/>
-            </a:endParaRPr>
           </a:p>
         </p:txBody>
       </p:sp>
@@ -10723,19 +10156,8 @@
                 <a:latin typeface="Times New Roman" panose="02020603050405020304" pitchFamily="18" charset="0"/>
                 <a:cs typeface="Times New Roman" panose="02020603050405020304" pitchFamily="18" charset="0"/>
               </a:rPr>
-              <a:t>R</a:t>
-            </a:r>
-            <a:r>
-              <a:rPr lang="en-US" sz="1654">
-                <a:latin typeface="Times New Roman" panose="02020603050405020304" pitchFamily="18" charset="0"/>
-                <a:cs typeface="Times New Roman" panose="02020603050405020304" pitchFamily="18" charset="0"/>
-              </a:rPr>
-              <a:t>E</a:t>
-            </a:r>
-            <a:endParaRPr lang="en-US" sz="1654">
-              <a:latin typeface="Times New Roman" panose="02020603050405020304" pitchFamily="18" charset="0"/>
-              <a:cs typeface="Times New Roman" panose="02020603050405020304" pitchFamily="18" charset="0"/>
-            </a:endParaRPr>
+              <a:t>RE</a:t>
+            </a:r>
           </a:p>
         </p:txBody>
       </p:sp>
@@ -10768,10 +10190,6 @@
               </a:rPr>
               <a:t>ADDR</a:t>
             </a:r>
-            <a:endParaRPr lang="en-US" sz="1654">
-              <a:latin typeface="Times New Roman" panose="02020603050405020304" pitchFamily="18" charset="0"/>
-              <a:cs typeface="Times New Roman" panose="02020603050405020304" pitchFamily="18" charset="0"/>
-            </a:endParaRPr>
           </a:p>
         </p:txBody>
       </p:sp>
@@ -10804,10 +10222,6 @@
               </a:rPr>
               <a:t>MA</a:t>
             </a:r>
-            <a:endParaRPr lang="en-US" sz="1654">
-              <a:latin typeface="Times New Roman" panose="02020603050405020304" pitchFamily="18" charset="0"/>
-              <a:cs typeface="Times New Roman" panose="02020603050405020304" pitchFamily="18" charset="0"/>
-            </a:endParaRPr>
           </a:p>
         </p:txBody>
       </p:sp>
@@ -10840,10 +10254,6 @@
               </a:rPr>
               <a:t>DOUT</a:t>
             </a:r>
-            <a:endParaRPr lang="en-US" sz="1654">
-              <a:latin typeface="Times New Roman" panose="02020603050405020304" pitchFamily="18" charset="0"/>
-              <a:cs typeface="Times New Roman" panose="02020603050405020304" pitchFamily="18" charset="0"/>
-            </a:endParaRPr>
           </a:p>
         </p:txBody>
       </p:sp>
@@ -10876,10 +10286,6 @@
               </a:rPr>
               <a:t>DIN</a:t>
             </a:r>
-            <a:endParaRPr lang="en-US" sz="1654">
-              <a:latin typeface="Times New Roman" panose="02020603050405020304" pitchFamily="18" charset="0"/>
-              <a:cs typeface="Times New Roman" panose="02020603050405020304" pitchFamily="18" charset="0"/>
-            </a:endParaRPr>
           </a:p>
         </p:txBody>
       </p:sp>
@@ -10991,15 +10397,6 @@
               </a:rPr>
               <a:t>WE_A</a:t>
             </a:r>
-            <a:endParaRPr lang="en-US" sz="1654">
-              <a:solidFill>
-                <a:schemeClr val="accent1">
-                  <a:lumMod val="75000"/>
-                </a:schemeClr>
-              </a:solidFill>
-              <a:latin typeface="Times New Roman" panose="02020603050405020304" pitchFamily="18" charset="0"/>
-              <a:cs typeface="Times New Roman" panose="02020603050405020304" pitchFamily="18" charset="0"/>
-            </a:endParaRPr>
           </a:p>
         </p:txBody>
       </p:sp>
@@ -11073,15 +10470,6 @@
               </a:rPr>
               <a:t>RE_A</a:t>
             </a:r>
-            <a:endParaRPr lang="en-US" sz="1654">
-              <a:solidFill>
-                <a:schemeClr val="accent1">
-                  <a:lumMod val="75000"/>
-                </a:schemeClr>
-              </a:solidFill>
-              <a:latin typeface="Times New Roman" panose="02020603050405020304" pitchFamily="18" charset="0"/>
-              <a:cs typeface="Times New Roman" panose="02020603050405020304" pitchFamily="18" charset="0"/>
-            </a:endParaRPr>
           </a:p>
         </p:txBody>
       </p:sp>
@@ -11112,19 +10500,8 @@
                 <a:latin typeface="Times New Roman" panose="02020603050405020304" pitchFamily="18" charset="0"/>
                 <a:cs typeface="Times New Roman" panose="02020603050405020304" pitchFamily="18" charset="0"/>
               </a:rPr>
-              <a:t>A</a:t>
-            </a:r>
-            <a:r>
-              <a:rPr lang="en-US" sz="1654">
-                <a:latin typeface="Times New Roman" panose="02020603050405020304" pitchFamily="18" charset="0"/>
-                <a:cs typeface="Times New Roman" panose="02020603050405020304" pitchFamily="18" charset="0"/>
-              </a:rPr>
-              <a:t>_Addr</a:t>
-            </a:r>
-            <a:endParaRPr lang="en-US" sz="1654">
-              <a:latin typeface="Times New Roman" panose="02020603050405020304" pitchFamily="18" charset="0"/>
-              <a:cs typeface="Times New Roman" panose="02020603050405020304" pitchFamily="18" charset="0"/>
-            </a:endParaRPr>
+              <a:t>A_Addr</a:t>
+            </a:r>
           </a:p>
         </p:txBody>
       </p:sp>
@@ -11227,19 +10604,8 @@
                 <a:latin typeface="Times New Roman" panose="02020603050405020304" pitchFamily="18" charset="0"/>
                 <a:cs typeface="Times New Roman" panose="02020603050405020304" pitchFamily="18" charset="0"/>
               </a:rPr>
-              <a:t>B</a:t>
-            </a:r>
-            <a:r>
-              <a:rPr lang="en-US" sz="1654">
-                <a:latin typeface="Times New Roman" panose="02020603050405020304" pitchFamily="18" charset="0"/>
-                <a:cs typeface="Times New Roman" panose="02020603050405020304" pitchFamily="18" charset="0"/>
-              </a:rPr>
-              <a:t>_Addr</a:t>
-            </a:r>
-            <a:endParaRPr lang="en-US" sz="1654">
-              <a:latin typeface="Times New Roman" panose="02020603050405020304" pitchFamily="18" charset="0"/>
-              <a:cs typeface="Times New Roman" panose="02020603050405020304" pitchFamily="18" charset="0"/>
-            </a:endParaRPr>
+              <a:t>B_Addr</a:t>
+            </a:r>
           </a:p>
         </p:txBody>
       </p:sp>
@@ -11514,13 +10880,6 @@
               </a:rPr>
               <a:t>Combinational Logic</a:t>
             </a:r>
-            <a:endParaRPr lang="en-US" sz="1654">
-              <a:solidFill>
-                <a:schemeClr val="tx1"/>
-              </a:solidFill>
-              <a:latin typeface="Times New Roman" panose="02020603050405020304" pitchFamily="18" charset="0"/>
-              <a:cs typeface="Times New Roman" panose="02020603050405020304" pitchFamily="18" charset="0"/>
-            </a:endParaRPr>
           </a:p>
         </p:txBody>
       </p:sp>
@@ -11614,13 +10973,6 @@
               </a:rPr>
               <a:t>State register</a:t>
             </a:r>
-            <a:endParaRPr lang="en-US" sz="1654">
-              <a:solidFill>
-                <a:schemeClr val="tx1"/>
-              </a:solidFill>
-              <a:latin typeface="Times New Roman" panose="02020603050405020304" pitchFamily="18" charset="0"/>
-              <a:cs typeface="Times New Roman" panose="02020603050405020304" pitchFamily="18" charset="0"/>
-            </a:endParaRPr>
           </a:p>
         </p:txBody>
       </p:sp>
@@ -11801,15 +11153,6 @@
               </a:rPr>
               <a:t>LD_br</a:t>
             </a:r>
-            <a:endParaRPr lang="en-US" sz="1417">
-              <a:solidFill>
-                <a:schemeClr val="accent1">
-                  <a:lumMod val="75000"/>
-                </a:schemeClr>
-              </a:solidFill>
-              <a:latin typeface="Times New Roman" panose="02020603050405020304" pitchFamily="18" charset="0"/>
-              <a:cs typeface="Times New Roman" panose="02020603050405020304" pitchFamily="18" charset="0"/>
-            </a:endParaRPr>
           </a:p>
         </p:txBody>
       </p:sp>
@@ -11846,15 +11189,6 @@
               </a:rPr>
               <a:t>LD_bc</a:t>
             </a:r>
-            <a:endParaRPr lang="en-US" sz="1417">
-              <a:solidFill>
-                <a:schemeClr val="accent1">
-                  <a:lumMod val="75000"/>
-                </a:schemeClr>
-              </a:solidFill>
-              <a:latin typeface="Times New Roman" panose="02020603050405020304" pitchFamily="18" charset="0"/>
-              <a:cs typeface="Times New Roman" panose="02020603050405020304" pitchFamily="18" charset="0"/>
-            </a:endParaRPr>
           </a:p>
         </p:txBody>
       </p:sp>
@@ -11891,15 +11225,6 @@
               </a:rPr>
               <a:t>D_sel</a:t>
             </a:r>
-            <a:endParaRPr lang="en-US" sz="1417">
-              <a:solidFill>
-                <a:schemeClr val="accent1">
-                  <a:lumMod val="75000"/>
-                </a:schemeClr>
-              </a:solidFill>
-              <a:latin typeface="Times New Roman" panose="02020603050405020304" pitchFamily="18" charset="0"/>
-              <a:cs typeface="Times New Roman" panose="02020603050405020304" pitchFamily="18" charset="0"/>
-            </a:endParaRPr>
           </a:p>
         </p:txBody>
       </p:sp>
@@ -12002,13 +11327,6 @@
               </a:rPr>
               <a:t>Z_br</a:t>
             </a:r>
-            <a:endParaRPr lang="en-US" sz="1417">
-              <a:solidFill>
-                <a:srgbClr val="FF0000"/>
-              </a:solidFill>
-              <a:latin typeface="Times New Roman" panose="02020603050405020304" pitchFamily="18" charset="0"/>
-              <a:cs typeface="Times New Roman" panose="02020603050405020304" pitchFamily="18" charset="0"/>
-            </a:endParaRPr>
           </a:p>
         </p:txBody>
       </p:sp>
@@ -12079,13 +11397,6 @@
               </a:rPr>
               <a:t>Z_bc</a:t>
             </a:r>
-            <a:endParaRPr lang="en-US" sz="1417">
-              <a:solidFill>
-                <a:srgbClr val="FF0000"/>
-              </a:solidFill>
-              <a:latin typeface="Times New Roman" panose="02020603050405020304" pitchFamily="18" charset="0"/>
-              <a:cs typeface="Times New Roman" panose="02020603050405020304" pitchFamily="18" charset="0"/>
-            </a:endParaRPr>
           </a:p>
         </p:txBody>
       </p:sp>
@@ -12156,13 +11467,6 @@
               </a:rPr>
               <a:t>Z_kr</a:t>
             </a:r>
-            <a:endParaRPr lang="en-US" sz="1417">
-              <a:solidFill>
-                <a:srgbClr val="FF0000"/>
-              </a:solidFill>
-              <a:latin typeface="Times New Roman" panose="02020603050405020304" pitchFamily="18" charset="0"/>
-              <a:cs typeface="Times New Roman" panose="02020603050405020304" pitchFamily="18" charset="0"/>
-            </a:endParaRPr>
           </a:p>
         </p:txBody>
       </p:sp>
@@ -12233,13 +11537,6 @@
               </a:rPr>
               <a:t>Z_kc</a:t>
             </a:r>
-            <a:endParaRPr lang="en-US" sz="1417">
-              <a:solidFill>
-                <a:srgbClr val="FF0000"/>
-              </a:solidFill>
-              <a:latin typeface="Times New Roman" panose="02020603050405020304" pitchFamily="18" charset="0"/>
-              <a:cs typeface="Times New Roman" panose="02020603050405020304" pitchFamily="18" charset="0"/>
-            </a:endParaRPr>
           </a:p>
         </p:txBody>
       </p:sp>
@@ -12912,10 +12209,6 @@
               </a:rPr>
               <a:t>I0</a:t>
             </a:r>
-            <a:endParaRPr lang="en-US" sz="1417">
-              <a:latin typeface="Times New Roman" panose="02020603050405020304" pitchFamily="18" charset="0"/>
-              <a:cs typeface="Times New Roman" panose="02020603050405020304" pitchFamily="18" charset="0"/>
-            </a:endParaRPr>
           </a:p>
         </p:txBody>
       </p:sp>
@@ -12948,10 +12241,6 @@
               </a:rPr>
               <a:t>I1</a:t>
             </a:r>
-            <a:endParaRPr lang="en-US" sz="1417">
-              <a:latin typeface="Times New Roman" panose="02020603050405020304" pitchFamily="18" charset="0"/>
-              <a:cs typeface="Times New Roman" panose="02020603050405020304" pitchFamily="18" charset="0"/>
-            </a:endParaRPr>
           </a:p>
         </p:txBody>
       </p:sp>
@@ -12984,10 +12273,6 @@
               </a:rPr>
               <a:t>I2</a:t>
             </a:r>
-            <a:endParaRPr lang="en-US" sz="1417">
-              <a:latin typeface="Times New Roman" panose="02020603050405020304" pitchFamily="18" charset="0"/>
-              <a:cs typeface="Times New Roman" panose="02020603050405020304" pitchFamily="18" charset="0"/>
-            </a:endParaRPr>
           </a:p>
         </p:txBody>
       </p:sp>
@@ -13020,10 +12305,6 @@
               </a:rPr>
               <a:t>I3</a:t>
             </a:r>
-            <a:endParaRPr lang="en-US" sz="1417">
-              <a:latin typeface="Times New Roman" panose="02020603050405020304" pitchFamily="18" charset="0"/>
-              <a:cs typeface="Times New Roman" panose="02020603050405020304" pitchFamily="18" charset="0"/>
-            </a:endParaRPr>
           </a:p>
         </p:txBody>
       </p:sp>
@@ -13054,31 +12335,52 @@
                 <a:latin typeface="Times New Roman" panose="02020603050405020304" pitchFamily="18" charset="0"/>
                 <a:cs typeface="Times New Roman" panose="02020603050405020304" pitchFamily="18" charset="0"/>
               </a:rPr>
-              <a:t>Q</a:t>
-            </a:r>
+              <a:t>Q0</a:t>
+            </a:r>
+          </a:p>
+        </p:txBody>
+      </p:sp>
+      <p:sp>
+        <p:nvSpPr>
+          <p:cNvPr id="139" name="TextBox 138"/>
+          <p:cNvSpPr txBox="1"/>
+          <p:nvPr/>
+        </p:nvSpPr>
+        <p:spPr>
+          <a:xfrm>
+            <a:off x="6054310" y="7943232"/>
+            <a:ext cx="497851" cy="310406"/>
+          </a:xfrm>
+          <a:prstGeom prst="rect">
+            <a:avLst/>
+          </a:prstGeom>
+          <a:noFill/>
+        </p:spPr>
+        <p:txBody>
+          <a:bodyPr wrap="square" rtlCol="0">
+            <a:spAutoFit/>
+          </a:bodyPr>
+          <a:lstStyle/>
+          <a:p>
             <a:r>
               <a:rPr lang="en-US" sz="1417">
                 <a:latin typeface="Times New Roman" panose="02020603050405020304" pitchFamily="18" charset="0"/>
                 <a:cs typeface="Times New Roman" panose="02020603050405020304" pitchFamily="18" charset="0"/>
               </a:rPr>
-              <a:t>0</a:t>
-            </a:r>
-            <a:endParaRPr lang="en-US" sz="1417">
-              <a:latin typeface="Times New Roman" panose="02020603050405020304" pitchFamily="18" charset="0"/>
-              <a:cs typeface="Times New Roman" panose="02020603050405020304" pitchFamily="18" charset="0"/>
-            </a:endParaRPr>
-          </a:p>
-        </p:txBody>
-      </p:sp>
-      <p:sp>
-        <p:nvSpPr>
-          <p:cNvPr id="139" name="TextBox 138"/>
+              <a:t>Q1</a:t>
+            </a:r>
+          </a:p>
+        </p:txBody>
+      </p:sp>
+      <p:sp>
+        <p:nvSpPr>
+          <p:cNvPr id="140" name="TextBox 139"/>
           <p:cNvSpPr txBox="1"/>
           <p:nvPr/>
         </p:nvSpPr>
         <p:spPr>
           <a:xfrm>
-            <a:off x="6054310" y="7943232"/>
+            <a:off x="5624531" y="7928315"/>
             <a:ext cx="497851" cy="310406"/>
           </a:xfrm>
           <a:prstGeom prst="rect">
@@ -13097,57 +12399,7 @@
                 <a:latin typeface="Times New Roman" panose="02020603050405020304" pitchFamily="18" charset="0"/>
                 <a:cs typeface="Times New Roman" panose="02020603050405020304" pitchFamily="18" charset="0"/>
               </a:rPr>
-              <a:t>Q</a:t>
-            </a:r>
-            <a:r>
-              <a:rPr lang="en-US" sz="1417">
-                <a:latin typeface="Times New Roman" panose="02020603050405020304" pitchFamily="18" charset="0"/>
-                <a:cs typeface="Times New Roman" panose="02020603050405020304" pitchFamily="18" charset="0"/>
-              </a:rPr>
-              <a:t>1</a:t>
-            </a:r>
-            <a:endParaRPr lang="en-US" sz="1417">
-              <a:latin typeface="Times New Roman" panose="02020603050405020304" pitchFamily="18" charset="0"/>
-              <a:cs typeface="Times New Roman" panose="02020603050405020304" pitchFamily="18" charset="0"/>
-            </a:endParaRPr>
-          </a:p>
-        </p:txBody>
-      </p:sp>
-      <p:sp>
-        <p:nvSpPr>
-          <p:cNvPr id="140" name="TextBox 139"/>
-          <p:cNvSpPr txBox="1"/>
-          <p:nvPr/>
-        </p:nvSpPr>
-        <p:spPr>
-          <a:xfrm>
-            <a:off x="5624531" y="7928315"/>
-            <a:ext cx="497851" cy="310406"/>
-          </a:xfrm>
-          <a:prstGeom prst="rect">
-            <a:avLst/>
-          </a:prstGeom>
-          <a:noFill/>
-        </p:spPr>
-        <p:txBody>
-          <a:bodyPr wrap="square" rtlCol="0">
-            <a:spAutoFit/>
-          </a:bodyPr>
-          <a:lstStyle/>
-          <a:p>
-            <a:r>
-              <a:rPr lang="en-US" sz="1417">
-                <a:latin typeface="Times New Roman" panose="02020603050405020304" pitchFamily="18" charset="0"/>
-                <a:cs typeface="Times New Roman" panose="02020603050405020304" pitchFamily="18" charset="0"/>
-              </a:rPr>
-              <a:t>Q</a:t>
-            </a:r>
-            <a:r>
-              <a:rPr lang="en-US" sz="1417">
-                <a:latin typeface="Times New Roman" panose="02020603050405020304" pitchFamily="18" charset="0"/>
-                <a:cs typeface="Times New Roman" panose="02020603050405020304" pitchFamily="18" charset="0"/>
-              </a:rPr>
-              <a:t>2</a:t>
+              <a:t>Q2</a:t>
             </a:r>
           </a:p>
         </p:txBody>
@@ -13181,10 +12433,6 @@
               </a:rPr>
               <a:t>Start</a:t>
             </a:r>
-            <a:endParaRPr lang="en-US" sz="1417">
-              <a:latin typeface="Times New Roman" panose="02020603050405020304" pitchFamily="18" charset="0"/>
-              <a:cs typeface="Times New Roman" panose="02020603050405020304" pitchFamily="18" charset="0"/>
-            </a:endParaRPr>
           </a:p>
         </p:txBody>
       </p:sp>
@@ -13215,14 +12463,7 @@
                 <a:latin typeface="Times New Roman" panose="02020603050405020304" pitchFamily="18" charset="0"/>
                 <a:cs typeface="Times New Roman" panose="02020603050405020304" pitchFamily="18" charset="0"/>
               </a:rPr>
-              <a:t>Q</a:t>
-            </a:r>
-            <a:r>
-              <a:rPr lang="en-US" sz="1417">
-                <a:latin typeface="Times New Roman" panose="02020603050405020304" pitchFamily="18" charset="0"/>
-                <a:cs typeface="Times New Roman" panose="02020603050405020304" pitchFamily="18" charset="0"/>
-              </a:rPr>
-              <a:t>3</a:t>
+              <a:t>Q3</a:t>
             </a:r>
           </a:p>
         </p:txBody>
@@ -13256,10 +12497,6 @@
               </a:rPr>
               <a:t>Done</a:t>
             </a:r>
-            <a:endParaRPr lang="en-US" sz="1417">
-              <a:latin typeface="Times New Roman" panose="02020603050405020304" pitchFamily="18" charset="0"/>
-              <a:cs typeface="Times New Roman" panose="02020603050405020304" pitchFamily="18" charset="0"/>
-            </a:endParaRPr>
           </a:p>
         </p:txBody>
       </p:sp>
@@ -13296,15 +12533,6 @@
               </a:rPr>
               <a:t>LD_kr</a:t>
             </a:r>
-            <a:endParaRPr lang="en-US" sz="1417">
-              <a:solidFill>
-                <a:schemeClr val="accent1">
-                  <a:lumMod val="75000"/>
-                </a:schemeClr>
-              </a:solidFill>
-              <a:latin typeface="Times New Roman" panose="02020603050405020304" pitchFamily="18" charset="0"/>
-              <a:cs typeface="Times New Roman" panose="02020603050405020304" pitchFamily="18" charset="0"/>
-            </a:endParaRPr>
           </a:p>
         </p:txBody>
       </p:sp>
@@ -13373,10 +12601,6 @@
               </a:rPr>
               <a:t>Clk</a:t>
             </a:r>
-            <a:endParaRPr lang="en-US" sz="1417">
-              <a:latin typeface="Times New Roman" panose="02020603050405020304" pitchFamily="18" charset="0"/>
-              <a:cs typeface="Times New Roman" panose="02020603050405020304" pitchFamily="18" charset="0"/>
-            </a:endParaRPr>
           </a:p>
         </p:txBody>
       </p:sp>
@@ -13445,10 +12669,6 @@
               </a:rPr>
               <a:t>Reset</a:t>
             </a:r>
-            <a:endParaRPr lang="en-US" sz="1417">
-              <a:latin typeface="Times New Roman" panose="02020603050405020304" pitchFamily="18" charset="0"/>
-              <a:cs typeface="Times New Roman" panose="02020603050405020304" pitchFamily="18" charset="0"/>
-            </a:endParaRPr>
           </a:p>
         </p:txBody>
       </p:sp>
@@ -13553,10 +12773,6 @@
               </a:rPr>
               <a:t>Pixel_Done</a:t>
             </a:r>
-            <a:endParaRPr lang="en-US" sz="1417">
-              <a:latin typeface="Times New Roman" panose="02020603050405020304" pitchFamily="18" charset="0"/>
-              <a:cs typeface="Times New Roman" panose="02020603050405020304" pitchFamily="18" charset="0"/>
-            </a:endParaRPr>
           </a:p>
         </p:txBody>
       </p:sp>
@@ -13646,13 +12862,6 @@
               </a:rPr>
               <a:t>Conv</a:t>
             </a:r>
-            <a:endParaRPr lang="en-US" sz="1654">
-              <a:solidFill>
-                <a:schemeClr val="tx1"/>
-              </a:solidFill>
-              <a:latin typeface="Times New Roman" panose="02020603050405020304" pitchFamily="18" charset="0"/>
-              <a:cs typeface="Times New Roman" panose="02020603050405020304" pitchFamily="18" charset="0"/>
-            </a:endParaRPr>
           </a:p>
         </p:txBody>
       </p:sp>
@@ -13865,10 +13074,6 @@
               </a:rPr>
               <a:t>Start</a:t>
             </a:r>
-            <a:endParaRPr lang="en-US" sz="1417">
-              <a:latin typeface="Times New Roman" panose="02020603050405020304" pitchFamily="18" charset="0"/>
-              <a:cs typeface="Times New Roman" panose="02020603050405020304" pitchFamily="18" charset="0"/>
-            </a:endParaRPr>
           </a:p>
         </p:txBody>
       </p:sp>
@@ -13901,10 +13106,6 @@
               </a:rPr>
               <a:t>Clk</a:t>
             </a:r>
-            <a:endParaRPr lang="en-US" sz="1417">
-              <a:latin typeface="Times New Roman" panose="02020603050405020304" pitchFamily="18" charset="0"/>
-              <a:cs typeface="Times New Roman" panose="02020603050405020304" pitchFamily="18" charset="0"/>
-            </a:endParaRPr>
           </a:p>
         </p:txBody>
       </p:sp>
@@ -13937,10 +13138,6 @@
               </a:rPr>
               <a:t>Reset</a:t>
             </a:r>
-            <a:endParaRPr lang="en-US" sz="1417">
-              <a:latin typeface="Times New Roman" panose="02020603050405020304" pitchFamily="18" charset="0"/>
-              <a:cs typeface="Times New Roman" panose="02020603050405020304" pitchFamily="18" charset="0"/>
-            </a:endParaRPr>
           </a:p>
         </p:txBody>
       </p:sp>
@@ -13973,10 +13170,6 @@
               </a:rPr>
               <a:t>Pixel_Done</a:t>
             </a:r>
-            <a:endParaRPr lang="en-US" sz="1417">
-              <a:latin typeface="Times New Roman" panose="02020603050405020304" pitchFamily="18" charset="0"/>
-              <a:cs typeface="Times New Roman" panose="02020603050405020304" pitchFamily="18" charset="0"/>
-            </a:endParaRPr>
           </a:p>
         </p:txBody>
       </p:sp>
@@ -14009,10 +13202,6 @@
               </a:rPr>
               <a:t>Done</a:t>
             </a:r>
-            <a:endParaRPr lang="en-US" sz="1417">
-              <a:latin typeface="Times New Roman" panose="02020603050405020304" pitchFamily="18" charset="0"/>
-              <a:cs typeface="Times New Roman" panose="02020603050405020304" pitchFamily="18" charset="0"/>
-            </a:endParaRPr>
           </a:p>
         </p:txBody>
       </p:sp>
@@ -14155,10 +13344,6 @@
               </a:rPr>
               <a:t>REn</a:t>
             </a:r>
-            <a:endParaRPr lang="en-US" sz="1417">
-              <a:latin typeface="Times New Roman" panose="02020603050405020304" pitchFamily="18" charset="0"/>
-              <a:cs typeface="Times New Roman" panose="02020603050405020304" pitchFamily="18" charset="0"/>
-            </a:endParaRPr>
           </a:p>
         </p:txBody>
       </p:sp>
@@ -14191,10 +13376,6 @@
               </a:rPr>
               <a:t>RAddr</a:t>
             </a:r>
-            <a:endParaRPr lang="en-US" sz="1417">
-              <a:latin typeface="Times New Roman" panose="02020603050405020304" pitchFamily="18" charset="0"/>
-              <a:cs typeface="Times New Roman" panose="02020603050405020304" pitchFamily="18" charset="0"/>
-            </a:endParaRPr>
           </a:p>
         </p:txBody>
       </p:sp>
@@ -14227,10 +13408,6 @@
               </a:rPr>
               <a:t>DATA_IN</a:t>
             </a:r>
-            <a:endParaRPr lang="en-US" sz="1417">
-              <a:latin typeface="Times New Roman" panose="02020603050405020304" pitchFamily="18" charset="0"/>
-              <a:cs typeface="Times New Roman" panose="02020603050405020304" pitchFamily="18" charset="0"/>
-            </a:endParaRPr>
           </a:p>
         </p:txBody>
       </p:sp>
@@ -14371,10 +13548,6 @@
               </a:rPr>
               <a:t>WEn</a:t>
             </a:r>
-            <a:endParaRPr lang="en-US" sz="1417">
-              <a:latin typeface="Times New Roman" panose="02020603050405020304" pitchFamily="18" charset="0"/>
-              <a:cs typeface="Times New Roman" panose="02020603050405020304" pitchFamily="18" charset="0"/>
-            </a:endParaRPr>
           </a:p>
         </p:txBody>
       </p:sp>
@@ -14407,10 +13580,6 @@
               </a:rPr>
               <a:t>WAddr</a:t>
             </a:r>
-            <a:endParaRPr lang="en-US" sz="1417">
-              <a:latin typeface="Times New Roman" panose="02020603050405020304" pitchFamily="18" charset="0"/>
-              <a:cs typeface="Times New Roman" panose="02020603050405020304" pitchFamily="18" charset="0"/>
-            </a:endParaRPr>
           </a:p>
         </p:txBody>
       </p:sp>
@@ -14443,10 +13612,6 @@
               </a:rPr>
               <a:t>DATA_OUT</a:t>
             </a:r>
-            <a:endParaRPr lang="en-US" sz="1417">
-              <a:latin typeface="Times New Roman" panose="02020603050405020304" pitchFamily="18" charset="0"/>
-              <a:cs typeface="Times New Roman" panose="02020603050405020304" pitchFamily="18" charset="0"/>
-            </a:endParaRPr>
           </a:p>
         </p:txBody>
       </p:sp>

--- a/So do khoi.pptx
+++ b/So do khoi.pptx
@@ -199,7 +199,7 @@
           <a:p>
             <a:fld id="{E8AF388D-D73B-42C6-BF42-B09DCE100FFD}" type="datetimeFigureOut">
               <a:rPr lang="en-US" smtClean="0"/>
-              <a:t>6/11/2022</a:t>
+              <a:t>6/13/2022</a:t>
             </a:fld>
             <a:endParaRPr lang="en-US"/>
           </a:p>
@@ -687,7 +687,7 @@
           <a:p>
             <a:fld id="{190D22C8-D32D-4706-8509-154E6C320933}" type="datetimeFigureOut">
               <a:rPr lang="en-US" smtClean="0"/>
-              <a:t>6/11/2022</a:t>
+              <a:t>6/13/2022</a:t>
             </a:fld>
             <a:endParaRPr lang="en-US"/>
           </a:p>
@@ -857,7 +857,7 @@
           <a:p>
             <a:fld id="{190D22C8-D32D-4706-8509-154E6C320933}" type="datetimeFigureOut">
               <a:rPr lang="en-US" smtClean="0"/>
-              <a:t>6/11/2022</a:t>
+              <a:t>6/13/2022</a:t>
             </a:fld>
             <a:endParaRPr lang="en-US"/>
           </a:p>
@@ -1037,7 +1037,7 @@
           <a:p>
             <a:fld id="{190D22C8-D32D-4706-8509-154E6C320933}" type="datetimeFigureOut">
               <a:rPr lang="en-US" smtClean="0"/>
-              <a:t>6/11/2022</a:t>
+              <a:t>6/13/2022</a:t>
             </a:fld>
             <a:endParaRPr lang="en-US"/>
           </a:p>
@@ -1207,7 +1207,7 @@
           <a:p>
             <a:fld id="{190D22C8-D32D-4706-8509-154E6C320933}" type="datetimeFigureOut">
               <a:rPr lang="en-US" smtClean="0"/>
-              <a:t>6/11/2022</a:t>
+              <a:t>6/13/2022</a:t>
             </a:fld>
             <a:endParaRPr lang="en-US"/>
           </a:p>
@@ -1451,7 +1451,7 @@
           <a:p>
             <a:fld id="{190D22C8-D32D-4706-8509-154E6C320933}" type="datetimeFigureOut">
               <a:rPr lang="en-US" smtClean="0"/>
-              <a:t>6/11/2022</a:t>
+              <a:t>6/13/2022</a:t>
             </a:fld>
             <a:endParaRPr lang="en-US"/>
           </a:p>
@@ -1683,7 +1683,7 @@
           <a:p>
             <a:fld id="{190D22C8-D32D-4706-8509-154E6C320933}" type="datetimeFigureOut">
               <a:rPr lang="en-US" smtClean="0"/>
-              <a:t>6/11/2022</a:t>
+              <a:t>6/13/2022</a:t>
             </a:fld>
             <a:endParaRPr lang="en-US"/>
           </a:p>
@@ -2050,7 +2050,7 @@
           <a:p>
             <a:fld id="{190D22C8-D32D-4706-8509-154E6C320933}" type="datetimeFigureOut">
               <a:rPr lang="en-US" smtClean="0"/>
-              <a:t>6/11/2022</a:t>
+              <a:t>6/13/2022</a:t>
             </a:fld>
             <a:endParaRPr lang="en-US"/>
           </a:p>
@@ -2168,7 +2168,7 @@
           <a:p>
             <a:fld id="{190D22C8-D32D-4706-8509-154E6C320933}" type="datetimeFigureOut">
               <a:rPr lang="en-US" smtClean="0"/>
-              <a:t>6/11/2022</a:t>
+              <a:t>6/13/2022</a:t>
             </a:fld>
             <a:endParaRPr lang="en-US"/>
           </a:p>
@@ -2263,7 +2263,7 @@
           <a:p>
             <a:fld id="{190D22C8-D32D-4706-8509-154E6C320933}" type="datetimeFigureOut">
               <a:rPr lang="en-US" smtClean="0"/>
-              <a:t>6/11/2022</a:t>
+              <a:t>6/13/2022</a:t>
             </a:fld>
             <a:endParaRPr lang="en-US"/>
           </a:p>
@@ -2540,7 +2540,7 @@
           <a:p>
             <a:fld id="{190D22C8-D32D-4706-8509-154E6C320933}" type="datetimeFigureOut">
               <a:rPr lang="en-US" smtClean="0"/>
-              <a:t>6/11/2022</a:t>
+              <a:t>6/13/2022</a:t>
             </a:fld>
             <a:endParaRPr lang="en-US"/>
           </a:p>
@@ -2797,7 +2797,7 @@
           <a:p>
             <a:fld id="{190D22C8-D32D-4706-8509-154E6C320933}" type="datetimeFigureOut">
               <a:rPr lang="en-US" smtClean="0"/>
-              <a:t>6/11/2022</a:t>
+              <a:t>6/13/2022</a:t>
             </a:fld>
             <a:endParaRPr lang="en-US"/>
           </a:p>
@@ -3010,7 +3010,7 @@
           <a:p>
             <a:fld id="{190D22C8-D32D-4706-8509-154E6C320933}" type="datetimeFigureOut">
               <a:rPr lang="en-US" smtClean="0"/>
-              <a:t>6/11/2022</a:t>
+              <a:t>6/13/2022</a:t>
             </a:fld>
             <a:endParaRPr lang="en-US"/>
           </a:p>
@@ -9290,7 +9290,7 @@
         <p:spPr>
           <a:xfrm>
             <a:off x="2704915" y="6815345"/>
-            <a:ext cx="880369" cy="346890"/>
+            <a:ext cx="891591" cy="346890"/>
           </a:xfrm>
           <a:prstGeom prst="rect">
             <a:avLst/>
@@ -9304,12 +9304,16 @@
           <a:lstStyle/>
           <a:p>
             <a:r>
-              <a:rPr lang="en-US" sz="1654">
+              <a:rPr lang="en-US" sz="1654" smtClean="0">
                 <a:latin typeface="Times New Roman" panose="02020603050405020304" pitchFamily="18" charset="0"/>
                 <a:cs typeface="Times New Roman" panose="02020603050405020304" pitchFamily="18" charset="0"/>
               </a:rPr>
-              <a:t>MT_out</a:t>
-            </a:r>
+              <a:t>MB_out</a:t>
+            </a:r>
+            <a:endParaRPr lang="en-US" sz="1654">
+              <a:latin typeface="Times New Roman" panose="02020603050405020304" pitchFamily="18" charset="0"/>
+              <a:cs typeface="Times New Roman" panose="02020603050405020304" pitchFamily="18" charset="0"/>
+            </a:endParaRPr>
           </a:p>
         </p:txBody>
       </p:sp>
@@ -13243,44 +13247,6 @@
       </p:cxnSp>
       <p:cxnSp>
         <p:nvCxnSpPr>
-          <p:cNvPr id="20" name="Straight Arrow Connector 19"/>
-          <p:cNvCxnSpPr>
-            <a:stCxn id="2" idx="1"/>
-          </p:cNvCxnSpPr>
-          <p:nvPr/>
-        </p:nvCxnSpPr>
-        <p:spPr>
-          <a:xfrm flipH="1" flipV="1">
-            <a:off x="5149738" y="6155441"/>
-            <a:ext cx="1130021" cy="6125"/>
-          </a:xfrm>
-          <a:prstGeom prst="straightConnector1">
-            <a:avLst/>
-          </a:prstGeom>
-          <a:ln>
-            <a:solidFill>
-              <a:schemeClr val="tx1"/>
-            </a:solidFill>
-            <a:tailEnd type="triangle"/>
-          </a:ln>
-        </p:spPr>
-        <p:style>
-          <a:lnRef idx="1">
-            <a:schemeClr val="accent1"/>
-          </a:lnRef>
-          <a:fillRef idx="0">
-            <a:schemeClr val="accent1"/>
-          </a:fillRef>
-          <a:effectRef idx="0">
-            <a:schemeClr val="accent1"/>
-          </a:effectRef>
-          <a:fontRef idx="minor">
-            <a:schemeClr val="tx1"/>
-          </a:fontRef>
-        </p:style>
-      </p:cxnSp>
-      <p:cxnSp>
-        <p:nvCxnSpPr>
           <p:cNvPr id="21" name="Straight Arrow Connector 20"/>
           <p:cNvCxnSpPr/>
           <p:nvPr/>
@@ -13615,6 +13581,42 @@
           </a:p>
         </p:txBody>
       </p:sp>
+      <p:cxnSp>
+        <p:nvCxnSpPr>
+          <p:cNvPr id="26" name="Straight Arrow Connector 25"/>
+          <p:cNvCxnSpPr/>
+          <p:nvPr/>
+        </p:nvCxnSpPr>
+        <p:spPr>
+          <a:xfrm flipV="1">
+            <a:off x="5155716" y="6153860"/>
+            <a:ext cx="1127391" cy="4644"/>
+          </a:xfrm>
+          <a:prstGeom prst="straightConnector1">
+            <a:avLst/>
+          </a:prstGeom>
+          <a:ln>
+            <a:solidFill>
+              <a:schemeClr val="tx1"/>
+            </a:solidFill>
+            <a:tailEnd type="triangle"/>
+          </a:ln>
+        </p:spPr>
+        <p:style>
+          <a:lnRef idx="1">
+            <a:schemeClr val="accent1"/>
+          </a:lnRef>
+          <a:fillRef idx="0">
+            <a:schemeClr val="accent1"/>
+          </a:fillRef>
+          <a:effectRef idx="0">
+            <a:schemeClr val="accent1"/>
+          </a:effectRef>
+          <a:fontRef idx="minor">
+            <a:schemeClr val="tx1"/>
+          </a:fontRef>
+        </p:style>
+      </p:cxnSp>
     </p:spTree>
     <p:extLst>
       <p:ext uri="{BB962C8B-B14F-4D97-AF65-F5344CB8AC3E}">
